--- a/Презентация ВКР Ремизова С.Н..pptx
+++ b/Презентация ВКР Ремизова С.Н..pptx
@@ -8,19 +8,24 @@
     <p:sldMasterId id="2147483660" r:id="rId4"/>
   </p:sldMasterIdLst>
   <p:notesMasterIdLst>
-    <p:notesMasterId r:id="rId15"/>
+    <p:notesMasterId r:id="rId20"/>
   </p:notesMasterIdLst>
   <p:sldIdLst>
     <p:sldId id="256" r:id="rId5"/>
     <p:sldId id="265" r:id="rId6"/>
     <p:sldId id="264" r:id="rId7"/>
-    <p:sldId id="262" r:id="rId8"/>
-    <p:sldId id="266" r:id="rId9"/>
-    <p:sldId id="263" r:id="rId10"/>
-    <p:sldId id="258" r:id="rId11"/>
-    <p:sldId id="259" r:id="rId12"/>
-    <p:sldId id="260" r:id="rId13"/>
-    <p:sldId id="261" r:id="rId14"/>
+    <p:sldId id="268" r:id="rId8"/>
+    <p:sldId id="269" r:id="rId9"/>
+    <p:sldId id="262" r:id="rId10"/>
+    <p:sldId id="267" r:id="rId11"/>
+    <p:sldId id="271" r:id="rId12"/>
+    <p:sldId id="272" r:id="rId13"/>
+    <p:sldId id="273" r:id="rId14"/>
+    <p:sldId id="275" r:id="rId15"/>
+    <p:sldId id="276" r:id="rId16"/>
+    <p:sldId id="277" r:id="rId17"/>
+    <p:sldId id="278" r:id="rId18"/>
+    <p:sldId id="279" r:id="rId19"/>
   </p:sldIdLst>
   <p:sldSz cx="9144000" cy="6858000" type="screen4x3"/>
   <p:notesSz cx="6858000" cy="9144000"/>
@@ -127,13 +132,18 @@
             <p14:sldId id="256"/>
             <p14:sldId id="265"/>
             <p14:sldId id="264"/>
+            <p14:sldId id="268"/>
+            <p14:sldId id="269"/>
             <p14:sldId id="262"/>
-            <p14:sldId id="266"/>
-            <p14:sldId id="263"/>
-            <p14:sldId id="258"/>
-            <p14:sldId id="259"/>
-            <p14:sldId id="260"/>
-            <p14:sldId id="261"/>
+            <p14:sldId id="267"/>
+            <p14:sldId id="271"/>
+            <p14:sldId id="272"/>
+            <p14:sldId id="273"/>
+            <p14:sldId id="275"/>
+            <p14:sldId id="276"/>
+            <p14:sldId id="277"/>
+            <p14:sldId id="278"/>
+            <p14:sldId id="279"/>
           </p14:sldIdLst>
         </p14:section>
       </p14:sectionLst>
@@ -12568,6 +12578,18 @@
   <p:clrMapOvr>
     <a:masterClrMapping/>
   </p:clrMapOvr>
+  <mc:AlternateContent xmlns:mc="http://schemas.openxmlformats.org/markup-compatibility/2006" xmlns:p14="http://schemas.microsoft.com/office/powerpoint/2010/main">
+    <mc:Choice Requires="p14">
+      <p:transition spd="slow" p14:dur="1500">
+        <p:split orient="vert"/>
+      </p:transition>
+    </mc:Choice>
+    <mc:Fallback xmlns="">
+      <p:transition spd="slow">
+        <p:split orient="vert"/>
+      </p:transition>
+    </mc:Fallback>
+  </mc:AlternateContent>
   <p:timing>
     <p:tnLst>
       <p:par>
@@ -12595,54 +12617,1356 @@
           <a:chExt cx="0" cy="0"/>
         </a:xfrm>
       </p:grpSpPr>
-      <p:sp>
-        <p:nvSpPr>
-          <p:cNvPr id="2" name="Заголовок 1"/>
-          <p:cNvSpPr>
-            <a:spLocks noGrp="1"/>
-          </p:cNvSpPr>
-          <p:nvPr>
-            <p:ph type="ctrTitle"/>
-          </p:nvPr>
-        </p:nvSpPr>
-        <p:spPr/>
-        <p:txBody>
-          <a:bodyPr/>
-          <a:lstStyle/>
-          <a:p>
-            <a:endParaRPr lang="ru-RU"/>
-          </a:p>
-        </p:txBody>
-      </p:sp>
-      <p:sp>
-        <p:nvSpPr>
-          <p:cNvPr id="3" name="Подзаголовок 2"/>
-          <p:cNvSpPr>
-            <a:spLocks noGrp="1"/>
-          </p:cNvSpPr>
-          <p:nvPr>
-            <p:ph type="subTitle" idx="1"/>
-          </p:nvPr>
-        </p:nvSpPr>
-        <p:spPr/>
-        <p:txBody>
-          <a:bodyPr/>
-          <a:lstStyle/>
-          <a:p>
-            <a:endParaRPr lang="ru-RU"/>
-          </a:p>
-        </p:txBody>
-      </p:sp>
+      <p:pic>
+        <p:nvPicPr>
+          <p:cNvPr id="5123" name="Picture 3" descr="C:\Users\svetl\Desktop\Дипломная работа Бауманка\Рисунки к ВКР\Рисунок 43.png"/>
+          <p:cNvPicPr>
+            <a:picLocks noChangeAspect="1" noChangeArrowheads="1"/>
+          </p:cNvPicPr>
+          <p:nvPr/>
+        </p:nvPicPr>
+        <p:blipFill>
+          <a:blip r:embed="rId2">
+            <a:extLst>
+              <a:ext uri="{28A0092B-C50C-407E-A947-70E740481C1C}">
+                <a14:useLocalDpi xmlns:a14="http://schemas.microsoft.com/office/drawing/2010/main" val="0"/>
+              </a:ext>
+            </a:extLst>
+          </a:blip>
+          <a:srcRect/>
+          <a:stretch>
+            <a:fillRect/>
+          </a:stretch>
+        </p:blipFill>
+        <p:spPr bwMode="auto">
+          <a:xfrm>
+            <a:off x="323528" y="188639"/>
+            <a:ext cx="8712968" cy="3024337"/>
+          </a:xfrm>
+          <a:prstGeom prst="rect">
+            <a:avLst/>
+          </a:prstGeom>
+        </p:spPr>
+        <p:style>
+          <a:lnRef idx="2">
+            <a:schemeClr val="accent1">
+              <a:shade val="50000"/>
+            </a:schemeClr>
+          </a:lnRef>
+          <a:fillRef idx="1">
+            <a:schemeClr val="accent1"/>
+          </a:fillRef>
+          <a:effectRef idx="0">
+            <a:schemeClr val="accent1"/>
+          </a:effectRef>
+          <a:fontRef idx="minor">
+            <a:schemeClr val="lt1"/>
+          </a:fontRef>
+        </p:style>
+      </p:pic>
+      <p:pic>
+        <p:nvPicPr>
+          <p:cNvPr id="5124" name="Picture 4" descr="C:\Users\svetl\Desktop\Дипломная работа Бауманка\Рисунки к ВКР\Рисунок 16.png"/>
+          <p:cNvPicPr>
+            <a:picLocks noChangeAspect="1" noChangeArrowheads="1"/>
+          </p:cNvPicPr>
+          <p:nvPr/>
+        </p:nvPicPr>
+        <p:blipFill>
+          <a:blip r:embed="rId3">
+            <a:extLst>
+              <a:ext uri="{28A0092B-C50C-407E-A947-70E740481C1C}">
+                <a14:useLocalDpi xmlns:a14="http://schemas.microsoft.com/office/drawing/2010/main" val="0"/>
+              </a:ext>
+            </a:extLst>
+          </a:blip>
+          <a:srcRect/>
+          <a:stretch>
+            <a:fillRect/>
+          </a:stretch>
+        </p:blipFill>
+        <p:spPr bwMode="auto">
+          <a:xfrm>
+            <a:off x="416621" y="3212976"/>
+            <a:ext cx="8619875" cy="3384376"/>
+          </a:xfrm>
+          <a:prstGeom prst="rect">
+            <a:avLst/>
+          </a:prstGeom>
+        </p:spPr>
+        <p:style>
+          <a:lnRef idx="2">
+            <a:schemeClr val="accent3">
+              <a:shade val="50000"/>
+            </a:schemeClr>
+          </a:lnRef>
+          <a:fillRef idx="1">
+            <a:schemeClr val="accent3"/>
+          </a:fillRef>
+          <a:effectRef idx="0">
+            <a:schemeClr val="accent3"/>
+          </a:effectRef>
+          <a:fontRef idx="minor">
+            <a:schemeClr val="lt1"/>
+          </a:fontRef>
+        </p:style>
+      </p:pic>
     </p:spTree>
     <p:extLst>
       <p:ext uri="{BB962C8B-B14F-4D97-AF65-F5344CB8AC3E}">
-        <p14:creationId xmlns:p14="http://schemas.microsoft.com/office/powerpoint/2010/main" val="1861946877"/>
+        <p14:creationId xmlns:p14="http://schemas.microsoft.com/office/powerpoint/2010/main" val="2339342478"/>
       </p:ext>
     </p:extLst>
   </p:cSld>
   <p:clrMapOvr>
     <a:masterClrMapping/>
   </p:clrMapOvr>
+  <p:timing>
+    <p:tnLst>
+      <p:par>
+        <p:cTn id="1" dur="indefinite" restart="never" nodeType="tmRoot">
+          <p:childTnLst>
+            <p:seq concurrent="1" nextAc="seek">
+              <p:cTn id="2" dur="indefinite" nodeType="mainSeq">
+                <p:childTnLst>
+                  <p:par>
+                    <p:cTn id="3" fill="hold">
+                      <p:stCondLst>
+                        <p:cond delay="indefinite"/>
+                      </p:stCondLst>
+                      <p:childTnLst>
+                        <p:par>
+                          <p:cTn id="4" fill="hold">
+                            <p:stCondLst>
+                              <p:cond delay="0"/>
+                            </p:stCondLst>
+                            <p:childTnLst>
+                              <p:par>
+                                <p:cTn id="5" presetID="16" presetClass="entr" presetSubtype="21" fill="hold" nodeType="clickEffect">
+                                  <p:stCondLst>
+                                    <p:cond delay="0"/>
+                                  </p:stCondLst>
+                                  <p:childTnLst>
+                                    <p:set>
+                                      <p:cBhvr>
+                                        <p:cTn id="6" dur="1" fill="hold">
+                                          <p:stCondLst>
+                                            <p:cond delay="0"/>
+                                          </p:stCondLst>
+                                        </p:cTn>
+                                        <p:tgtEl>
+                                          <p:spTgt spid="5123"/>
+                                        </p:tgtEl>
+                                        <p:attrNameLst>
+                                          <p:attrName>style.visibility</p:attrName>
+                                        </p:attrNameLst>
+                                      </p:cBhvr>
+                                      <p:to>
+                                        <p:strVal val="visible"/>
+                                      </p:to>
+                                    </p:set>
+                                    <p:animEffect transition="in" filter="barn(inVertical)">
+                                      <p:cBhvr>
+                                        <p:cTn id="7" dur="500"/>
+                                        <p:tgtEl>
+                                          <p:spTgt spid="5123"/>
+                                        </p:tgtEl>
+                                      </p:cBhvr>
+                                    </p:animEffect>
+                                  </p:childTnLst>
+                                </p:cTn>
+                              </p:par>
+                            </p:childTnLst>
+                          </p:cTn>
+                        </p:par>
+                      </p:childTnLst>
+                    </p:cTn>
+                  </p:par>
+                  <p:par>
+                    <p:cTn id="8" fill="hold">
+                      <p:stCondLst>
+                        <p:cond delay="indefinite"/>
+                      </p:stCondLst>
+                      <p:childTnLst>
+                        <p:par>
+                          <p:cTn id="9" fill="hold">
+                            <p:stCondLst>
+                              <p:cond delay="0"/>
+                            </p:stCondLst>
+                            <p:childTnLst>
+                              <p:par>
+                                <p:cTn id="10" presetID="16" presetClass="entr" presetSubtype="21" fill="hold" nodeType="clickEffect">
+                                  <p:stCondLst>
+                                    <p:cond delay="0"/>
+                                  </p:stCondLst>
+                                  <p:childTnLst>
+                                    <p:set>
+                                      <p:cBhvr>
+                                        <p:cTn id="11" dur="1" fill="hold">
+                                          <p:stCondLst>
+                                            <p:cond delay="0"/>
+                                          </p:stCondLst>
+                                        </p:cTn>
+                                        <p:tgtEl>
+                                          <p:spTgt spid="5124"/>
+                                        </p:tgtEl>
+                                        <p:attrNameLst>
+                                          <p:attrName>style.visibility</p:attrName>
+                                        </p:attrNameLst>
+                                      </p:cBhvr>
+                                      <p:to>
+                                        <p:strVal val="visible"/>
+                                      </p:to>
+                                    </p:set>
+                                    <p:animEffect transition="in" filter="barn(inVertical)">
+                                      <p:cBhvr>
+                                        <p:cTn id="12" dur="500"/>
+                                        <p:tgtEl>
+                                          <p:spTgt spid="5124"/>
+                                        </p:tgtEl>
+                                      </p:cBhvr>
+                                    </p:animEffect>
+                                  </p:childTnLst>
+                                </p:cTn>
+                              </p:par>
+                            </p:childTnLst>
+                          </p:cTn>
+                        </p:par>
+                      </p:childTnLst>
+                    </p:cTn>
+                  </p:par>
+                </p:childTnLst>
+              </p:cTn>
+              <p:prevCondLst>
+                <p:cond evt="onPrev" delay="0">
+                  <p:tgtEl>
+                    <p:sldTgt/>
+                  </p:tgtEl>
+                </p:cond>
+              </p:prevCondLst>
+              <p:nextCondLst>
+                <p:cond evt="onNext" delay="0">
+                  <p:tgtEl>
+                    <p:sldTgt/>
+                  </p:tgtEl>
+                </p:cond>
+              </p:nextCondLst>
+            </p:seq>
+          </p:childTnLst>
+        </p:cTn>
+      </p:par>
+    </p:tnLst>
+  </p:timing>
+</p:sld>
+</file>
+
+<file path=ppt/slides/slide11.xml><?xml version="1.0" encoding="utf-8"?>
+<p:sld xmlns:a="http://schemas.openxmlformats.org/drawingml/2006/main" xmlns:r="http://schemas.openxmlformats.org/officeDocument/2006/relationships" xmlns:p="http://schemas.openxmlformats.org/presentationml/2006/main">
+  <p:cSld>
+    <p:spTree>
+      <p:nvGrpSpPr>
+        <p:cNvPr id="1" name=""/>
+        <p:cNvGrpSpPr/>
+        <p:nvPr/>
+      </p:nvGrpSpPr>
+      <p:grpSpPr>
+        <a:xfrm>
+          <a:off x="0" y="0"/>
+          <a:ext cx="0" cy="0"/>
+          <a:chOff x="0" y="0"/>
+          <a:chExt cx="0" cy="0"/>
+        </a:xfrm>
+      </p:grpSpPr>
+      <p:sp>
+        <p:nvSpPr>
+          <p:cNvPr id="2" name="Заголовок 1"/>
+          <p:cNvSpPr>
+            <a:spLocks noGrp="1"/>
+          </p:cNvSpPr>
+          <p:nvPr>
+            <p:ph type="title"/>
+          </p:nvPr>
+        </p:nvSpPr>
+        <p:spPr>
+          <a:xfrm>
+            <a:off x="395536" y="116632"/>
+            <a:ext cx="3600400" cy="908720"/>
+          </a:xfrm>
+        </p:spPr>
+        <p:style>
+          <a:lnRef idx="0">
+            <a:schemeClr val="accent3"/>
+          </a:lnRef>
+          <a:fillRef idx="3">
+            <a:schemeClr val="accent3"/>
+          </a:fillRef>
+          <a:effectRef idx="3">
+            <a:schemeClr val="accent3"/>
+          </a:effectRef>
+          <a:fontRef idx="minor">
+            <a:schemeClr val="lt1"/>
+          </a:fontRef>
+        </p:style>
+        <p:txBody>
+          <a:bodyPr>
+            <a:noAutofit/>
+          </a:bodyPr>
+          <a:lstStyle/>
+          <a:p>
+            <a:pPr algn="ctr"/>
+            <a:r>
+              <a:rPr lang="ru-RU" sz="1800" dirty="0"/>
+              <a:t>Разработка и обучение модели</a:t>
+            </a:r>
+            <a:br>
+              <a:rPr lang="ru-RU" sz="1800" dirty="0"/>
+            </a:br>
+            <a:endParaRPr lang="ru-RU" sz="1800" dirty="0"/>
+          </a:p>
+        </p:txBody>
+      </p:sp>
+      <p:pic>
+        <p:nvPicPr>
+          <p:cNvPr id="5" name="Объект 4"/>
+          <p:cNvPicPr>
+            <a:picLocks noGrp="1" noChangeAspect="1"/>
+          </p:cNvPicPr>
+          <p:nvPr>
+            <p:ph idx="1"/>
+          </p:nvPr>
+        </p:nvPicPr>
+        <p:blipFill>
+          <a:blip r:embed="rId2">
+            <a:extLst>
+              <a:ext uri="{28A0092B-C50C-407E-A947-70E740481C1C}">
+                <a14:useLocalDpi xmlns:a14="http://schemas.microsoft.com/office/drawing/2010/main" val="0"/>
+              </a:ext>
+            </a:extLst>
+          </a:blip>
+          <a:stretch>
+            <a:fillRect/>
+          </a:stretch>
+        </p:blipFill>
+        <p:spPr>
+          <a:xfrm>
+            <a:off x="4067944" y="146023"/>
+            <a:ext cx="4924237" cy="3521996"/>
+          </a:xfrm>
+        </p:spPr>
+        <p:style>
+          <a:lnRef idx="2">
+            <a:schemeClr val="accent1">
+              <a:shade val="50000"/>
+            </a:schemeClr>
+          </a:lnRef>
+          <a:fillRef idx="1">
+            <a:schemeClr val="accent1"/>
+          </a:fillRef>
+          <a:effectRef idx="0">
+            <a:schemeClr val="accent1"/>
+          </a:effectRef>
+          <a:fontRef idx="minor">
+            <a:schemeClr val="lt1"/>
+          </a:fontRef>
+        </p:style>
+      </p:pic>
+      <p:sp>
+        <p:nvSpPr>
+          <p:cNvPr id="4" name="Текст 3"/>
+          <p:cNvSpPr>
+            <a:spLocks noGrp="1"/>
+          </p:cNvSpPr>
+          <p:nvPr>
+            <p:ph type="body" sz="half" idx="2"/>
+          </p:nvPr>
+        </p:nvSpPr>
+        <p:spPr>
+          <a:xfrm>
+            <a:off x="467544" y="1124744"/>
+            <a:ext cx="3528392" cy="5472608"/>
+          </a:xfrm>
+        </p:spPr>
+        <p:style>
+          <a:lnRef idx="1">
+            <a:schemeClr val="accent6"/>
+          </a:lnRef>
+          <a:fillRef idx="2">
+            <a:schemeClr val="accent6"/>
+          </a:fillRef>
+          <a:effectRef idx="1">
+            <a:schemeClr val="accent6"/>
+          </a:effectRef>
+          <a:fontRef idx="minor">
+            <a:schemeClr val="dk1"/>
+          </a:fontRef>
+        </p:style>
+        <p:txBody>
+          <a:bodyPr>
+            <a:normAutofit/>
+          </a:bodyPr>
+          <a:lstStyle/>
+          <a:p>
+            <a:r>
+              <a:rPr lang="ru-RU" dirty="0"/>
+              <a:t> </a:t>
+            </a:r>
+          </a:p>
+          <a:p>
+            <a:r>
+              <a:rPr lang="ru-RU" dirty="0"/>
+              <a:t>Разработка и обучение моделей машинного обучения осуществлялась для двух выходных параметров</a:t>
+            </a:r>
+            <a:r>
+              <a:rPr lang="ru-RU" b="1" dirty="0"/>
+              <a:t>: «Прочность при растяжении» и «Модуль упругости при растяжении». </a:t>
+            </a:r>
+            <a:r>
+              <a:rPr lang="ru-RU" dirty="0"/>
+              <a:t>Для решения применим </a:t>
+            </a:r>
+            <a:r>
+              <a:rPr lang="ru-RU" dirty="0" smtClean="0"/>
+              <a:t>методы, </a:t>
+            </a:r>
+            <a:r>
+              <a:rPr lang="ru-RU" b="1" i="1" dirty="0" smtClean="0">
+                <a:solidFill>
+                  <a:schemeClr val="accent2"/>
+                </a:solidFill>
+              </a:rPr>
+              <a:t>Случайный </a:t>
+            </a:r>
+            <a:r>
+              <a:rPr lang="ru-RU" b="1" i="1" dirty="0">
+                <a:solidFill>
+                  <a:schemeClr val="accent2"/>
+                </a:solidFill>
+              </a:rPr>
+              <a:t>лес, Линейная регрессия, К-ближайших соседей  и Дерево решений.</a:t>
+            </a:r>
+          </a:p>
+          <a:p>
+            <a:r>
+              <a:rPr lang="ru-RU" dirty="0" smtClean="0">
+                <a:solidFill>
+                  <a:schemeClr val="tx1"/>
+                </a:solidFill>
+              </a:rPr>
+              <a:t>Разделение   данных </a:t>
+            </a:r>
+            <a:r>
+              <a:rPr lang="ru-RU" dirty="0"/>
+              <a:t>на обучающую и тестовую выборки, в соотношении семьдесят на тридцать процентов. </a:t>
+            </a:r>
+          </a:p>
+          <a:p>
+            <a:r>
+              <a:rPr lang="ru-RU" dirty="0"/>
+              <a:t>Проверка </a:t>
+            </a:r>
+            <a:r>
+              <a:rPr lang="ru-RU" dirty="0" smtClean="0"/>
+              <a:t>моделей, </a:t>
+            </a:r>
+            <a:r>
+              <a:rPr lang="ru-RU" dirty="0"/>
+              <a:t>сравнение с результатами модели, выдающей среднее </a:t>
+            </a:r>
+            <a:r>
+              <a:rPr lang="ru-RU" dirty="0" smtClean="0"/>
+              <a:t>значение</a:t>
+            </a:r>
+            <a:r>
+              <a:rPr lang="ru-RU" dirty="0"/>
+              <a:t>.</a:t>
+            </a:r>
+            <a:endParaRPr lang="ru-RU" dirty="0" smtClean="0"/>
+          </a:p>
+          <a:p>
+            <a:r>
+              <a:rPr lang="ru-RU" dirty="0" smtClean="0"/>
+              <a:t>Идет обучение </a:t>
+            </a:r>
+            <a:r>
+              <a:rPr lang="ru-RU" dirty="0"/>
+              <a:t>модели на тренировочных данных, оценка полученных данных, сравнение со стандартными значениями.</a:t>
+            </a:r>
+          </a:p>
+          <a:p>
+            <a:r>
+              <a:rPr lang="ru-RU" dirty="0"/>
+              <a:t>В работе, для прогноза модуля упругости при растяжении и прочности  были </a:t>
+            </a:r>
+            <a:r>
+              <a:rPr lang="ru-RU" b="1" dirty="0">
+                <a:solidFill>
+                  <a:srgbClr val="00B050"/>
+                </a:solidFill>
+              </a:rPr>
+              <a:t>использованы модели </a:t>
+            </a:r>
+            <a:r>
+              <a:rPr lang="ru-RU" b="1" dirty="0" smtClean="0">
+                <a:solidFill>
+                  <a:srgbClr val="00B050"/>
+                </a:solidFill>
+              </a:rPr>
+              <a:t>: </a:t>
+            </a:r>
+            <a:r>
+              <a:rPr lang="ru-RU" b="1" dirty="0">
+                <a:solidFill>
+                  <a:srgbClr val="00B050"/>
+                </a:solidFill>
+              </a:rPr>
+              <a:t>сетчатая регрессия, </a:t>
+            </a:r>
+            <a:r>
+              <a:rPr lang="ru-RU" b="1" dirty="0" err="1">
+                <a:solidFill>
+                  <a:srgbClr val="00B050"/>
+                </a:solidFill>
+              </a:rPr>
+              <a:t>Grid</a:t>
+            </a:r>
+            <a:r>
+              <a:rPr lang="ru-RU" b="1" dirty="0">
+                <a:solidFill>
+                  <a:srgbClr val="00B050"/>
+                </a:solidFill>
+              </a:rPr>
+              <a:t> </a:t>
+            </a:r>
+            <a:r>
+              <a:rPr lang="ru-RU" b="1" dirty="0" err="1">
+                <a:solidFill>
+                  <a:srgbClr val="00B050"/>
+                </a:solidFill>
+              </a:rPr>
+              <a:t>Search</a:t>
+            </a:r>
+            <a:r>
+              <a:rPr lang="ru-RU" b="1" dirty="0">
+                <a:solidFill>
+                  <a:srgbClr val="00B050"/>
+                </a:solidFill>
+              </a:rPr>
+              <a:t>, дерево решений и </a:t>
+            </a:r>
+            <a:r>
+              <a:rPr lang="en-US" b="1" dirty="0">
+                <a:solidFill>
+                  <a:srgbClr val="00B050"/>
+                </a:solidFill>
+              </a:rPr>
+              <a:t>SVR</a:t>
+            </a:r>
+            <a:r>
+              <a:rPr lang="ru-RU" b="1" dirty="0">
+                <a:solidFill>
+                  <a:srgbClr val="00B050"/>
+                </a:solidFill>
+              </a:rPr>
+              <a:t> (регрессия опорных векторов).</a:t>
+            </a:r>
+          </a:p>
+          <a:p>
+            <a:endParaRPr lang="ru-RU" dirty="0"/>
+          </a:p>
+        </p:txBody>
+      </p:sp>
+      <p:pic>
+        <p:nvPicPr>
+          <p:cNvPr id="6146" name="Picture 2" descr="C:\Users\svetl\Desktop\Дипломная работа Бауманка\Рисунки к ВКР\Рисунок 23.png"/>
+          <p:cNvPicPr>
+            <a:picLocks noChangeAspect="1" noChangeArrowheads="1"/>
+          </p:cNvPicPr>
+          <p:nvPr/>
+        </p:nvPicPr>
+        <p:blipFill>
+          <a:blip r:embed="rId3">
+            <a:extLst>
+              <a:ext uri="{28A0092B-C50C-407E-A947-70E740481C1C}">
+                <a14:useLocalDpi xmlns:a14="http://schemas.microsoft.com/office/drawing/2010/main" val="0"/>
+              </a:ext>
+            </a:extLst>
+          </a:blip>
+          <a:srcRect/>
+          <a:stretch>
+            <a:fillRect/>
+          </a:stretch>
+        </p:blipFill>
+        <p:spPr bwMode="auto">
+          <a:xfrm>
+            <a:off x="4067944" y="3789040"/>
+            <a:ext cx="4924237" cy="2933502"/>
+          </a:xfrm>
+          <a:prstGeom prst="rect">
+            <a:avLst/>
+          </a:prstGeom>
+        </p:spPr>
+        <p:style>
+          <a:lnRef idx="2">
+            <a:schemeClr val="accent3">
+              <a:shade val="50000"/>
+            </a:schemeClr>
+          </a:lnRef>
+          <a:fillRef idx="1">
+            <a:schemeClr val="accent3"/>
+          </a:fillRef>
+          <a:effectRef idx="0">
+            <a:schemeClr val="accent3"/>
+          </a:effectRef>
+          <a:fontRef idx="minor">
+            <a:schemeClr val="lt1"/>
+          </a:fontRef>
+        </p:style>
+      </p:pic>
+    </p:spTree>
+    <p:extLst>
+      <p:ext uri="{BB962C8B-B14F-4D97-AF65-F5344CB8AC3E}">
+        <p14:creationId xmlns:p14="http://schemas.microsoft.com/office/powerpoint/2010/main" val="1411480716"/>
+      </p:ext>
+    </p:extLst>
+  </p:cSld>
+  <p:clrMapOvr>
+    <a:masterClrMapping/>
+  </p:clrMapOvr>
+  <mc:AlternateContent xmlns:mc="http://schemas.openxmlformats.org/markup-compatibility/2006" xmlns:p14="http://schemas.microsoft.com/office/powerpoint/2010/main">
+    <mc:Choice Requires="p14">
+      <p:transition spd="slow" p14:dur="1500">
+        <p:split orient="vert"/>
+      </p:transition>
+    </mc:Choice>
+    <mc:Fallback xmlns="">
+      <p:transition spd="slow">
+        <p:split orient="vert"/>
+      </p:transition>
+    </mc:Fallback>
+  </mc:AlternateContent>
+  <p:timing>
+    <p:tnLst>
+      <p:par>
+        <p:cTn id="1" dur="indefinite" restart="never" nodeType="tmRoot"/>
+      </p:par>
+    </p:tnLst>
+  </p:timing>
+</p:sld>
+</file>
+
+<file path=ppt/slides/slide12.xml><?xml version="1.0" encoding="utf-8"?>
+<p:sld xmlns:a="http://schemas.openxmlformats.org/drawingml/2006/main" xmlns:r="http://schemas.openxmlformats.org/officeDocument/2006/relationships" xmlns:p="http://schemas.openxmlformats.org/presentationml/2006/main">
+  <p:cSld>
+    <p:spTree>
+      <p:nvGrpSpPr>
+        <p:cNvPr id="1" name=""/>
+        <p:cNvGrpSpPr/>
+        <p:nvPr/>
+      </p:nvGrpSpPr>
+      <p:grpSpPr>
+        <a:xfrm>
+          <a:off x="0" y="0"/>
+          <a:ext cx="0" cy="0"/>
+          <a:chOff x="0" y="0"/>
+          <a:chExt cx="0" cy="0"/>
+        </a:xfrm>
+      </p:grpSpPr>
+      <p:pic>
+        <p:nvPicPr>
+          <p:cNvPr id="7170" name="Picture 2" descr="C:\Users\svetl\Desktop\Дипломная работа Бауманка\Рисунки к ВКР\Рисунок 25.png"/>
+          <p:cNvPicPr>
+            <a:picLocks noChangeAspect="1" noChangeArrowheads="1"/>
+          </p:cNvPicPr>
+          <p:nvPr/>
+        </p:nvPicPr>
+        <p:blipFill>
+          <a:blip r:embed="rId2">
+            <a:extLst>
+              <a:ext uri="{28A0092B-C50C-407E-A947-70E740481C1C}">
+                <a14:useLocalDpi xmlns:a14="http://schemas.microsoft.com/office/drawing/2010/main" val="0"/>
+              </a:ext>
+            </a:extLst>
+          </a:blip>
+          <a:srcRect/>
+          <a:stretch>
+            <a:fillRect/>
+          </a:stretch>
+        </p:blipFill>
+        <p:spPr bwMode="auto">
+          <a:xfrm>
+            <a:off x="269776" y="188640"/>
+            <a:ext cx="8659216" cy="3024336"/>
+          </a:xfrm>
+          <a:prstGeom prst="rect">
+            <a:avLst/>
+          </a:prstGeom>
+        </p:spPr>
+        <p:style>
+          <a:lnRef idx="1">
+            <a:schemeClr val="accent4"/>
+          </a:lnRef>
+          <a:fillRef idx="3">
+            <a:schemeClr val="accent4"/>
+          </a:fillRef>
+          <a:effectRef idx="2">
+            <a:schemeClr val="accent4"/>
+          </a:effectRef>
+          <a:fontRef idx="minor">
+            <a:schemeClr val="lt1"/>
+          </a:fontRef>
+        </p:style>
+      </p:pic>
+      <p:pic>
+        <p:nvPicPr>
+          <p:cNvPr id="7171" name="Picture 3" descr="C:\Users\svetl\Desktop\Дипломная работа Бауманка\Рисунки к ВКР\Рисунок 27.png"/>
+          <p:cNvPicPr>
+            <a:picLocks noChangeAspect="1" noChangeArrowheads="1"/>
+          </p:cNvPicPr>
+          <p:nvPr/>
+        </p:nvPicPr>
+        <p:blipFill>
+          <a:blip r:embed="rId3">
+            <a:extLst>
+              <a:ext uri="{28A0092B-C50C-407E-A947-70E740481C1C}">
+                <a14:useLocalDpi xmlns:a14="http://schemas.microsoft.com/office/drawing/2010/main" val="0"/>
+              </a:ext>
+            </a:extLst>
+          </a:blip>
+          <a:srcRect/>
+          <a:stretch>
+            <a:fillRect/>
+          </a:stretch>
+        </p:blipFill>
+        <p:spPr bwMode="auto">
+          <a:xfrm>
+            <a:off x="269776" y="3399075"/>
+            <a:ext cx="8659216" cy="2880320"/>
+          </a:xfrm>
+          <a:prstGeom prst="rect">
+            <a:avLst/>
+          </a:prstGeom>
+        </p:spPr>
+        <p:style>
+          <a:lnRef idx="0">
+            <a:schemeClr val="accent2"/>
+          </a:lnRef>
+          <a:fillRef idx="3">
+            <a:schemeClr val="accent2"/>
+          </a:fillRef>
+          <a:effectRef idx="3">
+            <a:schemeClr val="accent2"/>
+          </a:effectRef>
+          <a:fontRef idx="minor">
+            <a:schemeClr val="lt1"/>
+          </a:fontRef>
+        </p:style>
+      </p:pic>
+    </p:spTree>
+    <p:extLst>
+      <p:ext uri="{BB962C8B-B14F-4D97-AF65-F5344CB8AC3E}">
+        <p14:creationId xmlns:p14="http://schemas.microsoft.com/office/powerpoint/2010/main" val="364303160"/>
+      </p:ext>
+    </p:extLst>
+  </p:cSld>
+  <p:clrMapOvr>
+    <a:masterClrMapping/>
+  </p:clrMapOvr>
+  <mc:AlternateContent xmlns:mc="http://schemas.openxmlformats.org/markup-compatibility/2006" xmlns:p14="http://schemas.microsoft.com/office/powerpoint/2010/main">
+    <mc:Choice Requires="p14">
+      <p:transition spd="slow" p14:dur="1500">
+        <p:split orient="vert"/>
+      </p:transition>
+    </mc:Choice>
+    <mc:Fallback xmlns="">
+      <p:transition spd="slow">
+        <p:split orient="vert"/>
+      </p:transition>
+    </mc:Fallback>
+  </mc:AlternateContent>
+  <p:timing>
+    <p:tnLst>
+      <p:par>
+        <p:cTn id="1" dur="indefinite" restart="never" nodeType="tmRoot"/>
+      </p:par>
+    </p:tnLst>
+  </p:timing>
+</p:sld>
+</file>
+
+<file path=ppt/slides/slide13.xml><?xml version="1.0" encoding="utf-8"?>
+<p:sld xmlns:a="http://schemas.openxmlformats.org/drawingml/2006/main" xmlns:r="http://schemas.openxmlformats.org/officeDocument/2006/relationships" xmlns:p="http://schemas.openxmlformats.org/presentationml/2006/main">
+  <p:cSld>
+    <p:spTree>
+      <p:nvGrpSpPr>
+        <p:cNvPr id="1" name=""/>
+        <p:cNvGrpSpPr/>
+        <p:nvPr/>
+      </p:nvGrpSpPr>
+      <p:grpSpPr>
+        <a:xfrm>
+          <a:off x="0" y="0"/>
+          <a:ext cx="0" cy="0"/>
+          <a:chOff x="0" y="0"/>
+          <a:chExt cx="0" cy="0"/>
+        </a:xfrm>
+      </p:grpSpPr>
+      <p:pic>
+        <p:nvPicPr>
+          <p:cNvPr id="2" name="Picture 4" descr="C:\Users\svetl\Desktop\Дипломная работа Бауманка\Рисунки к ВКР\Рисунок 28.png"/>
+          <p:cNvPicPr>
+            <a:picLocks noChangeAspect="1" noChangeArrowheads="1"/>
+          </p:cNvPicPr>
+          <p:nvPr/>
+        </p:nvPicPr>
+        <p:blipFill>
+          <a:blip r:embed="rId2">
+            <a:extLst>
+              <a:ext uri="{28A0092B-C50C-407E-A947-70E740481C1C}">
+                <a14:useLocalDpi xmlns:a14="http://schemas.microsoft.com/office/drawing/2010/main" val="0"/>
+              </a:ext>
+            </a:extLst>
+          </a:blip>
+          <a:srcRect/>
+          <a:stretch>
+            <a:fillRect/>
+          </a:stretch>
+        </p:blipFill>
+        <p:spPr bwMode="auto">
+          <a:xfrm>
+            <a:off x="593558" y="162842"/>
+            <a:ext cx="8067500" cy="3032787"/>
+          </a:xfrm>
+          <a:prstGeom prst="rect">
+            <a:avLst/>
+          </a:prstGeom>
+        </p:spPr>
+        <p:style>
+          <a:lnRef idx="2">
+            <a:schemeClr val="accent2">
+              <a:shade val="50000"/>
+            </a:schemeClr>
+          </a:lnRef>
+          <a:fillRef idx="1">
+            <a:schemeClr val="accent2"/>
+          </a:fillRef>
+          <a:effectRef idx="0">
+            <a:schemeClr val="accent2"/>
+          </a:effectRef>
+          <a:fontRef idx="minor">
+            <a:schemeClr val="lt1"/>
+          </a:fontRef>
+        </p:style>
+      </p:pic>
+      <p:pic>
+        <p:nvPicPr>
+          <p:cNvPr id="3" name="Picture 5" descr="C:\Users\svetl\Desktop\Дипломная работа Бауманка\Рисунки к ВКР\Рисунок 31.png"/>
+          <p:cNvPicPr>
+            <a:picLocks noChangeAspect="1" noChangeArrowheads="1"/>
+          </p:cNvPicPr>
+          <p:nvPr/>
+        </p:nvPicPr>
+        <p:blipFill>
+          <a:blip r:embed="rId3">
+            <a:extLst>
+              <a:ext uri="{28A0092B-C50C-407E-A947-70E740481C1C}">
+                <a14:useLocalDpi xmlns:a14="http://schemas.microsoft.com/office/drawing/2010/main" val="0"/>
+              </a:ext>
+            </a:extLst>
+          </a:blip>
+          <a:srcRect/>
+          <a:stretch>
+            <a:fillRect/>
+          </a:stretch>
+        </p:blipFill>
+        <p:spPr bwMode="auto">
+          <a:xfrm>
+            <a:off x="539552" y="3212976"/>
+            <a:ext cx="8175513" cy="3312368"/>
+          </a:xfrm>
+          <a:prstGeom prst="rect">
+            <a:avLst/>
+          </a:prstGeom>
+        </p:spPr>
+        <p:style>
+          <a:lnRef idx="1">
+            <a:schemeClr val="accent3"/>
+          </a:lnRef>
+          <a:fillRef idx="3">
+            <a:schemeClr val="accent3"/>
+          </a:fillRef>
+          <a:effectRef idx="2">
+            <a:schemeClr val="accent3"/>
+          </a:effectRef>
+          <a:fontRef idx="minor">
+            <a:schemeClr val="lt1"/>
+          </a:fontRef>
+        </p:style>
+      </p:pic>
+    </p:spTree>
+    <p:extLst>
+      <p:ext uri="{BB962C8B-B14F-4D97-AF65-F5344CB8AC3E}">
+        <p14:creationId xmlns:p14="http://schemas.microsoft.com/office/powerpoint/2010/main" val="2623538473"/>
+      </p:ext>
+    </p:extLst>
+  </p:cSld>
+  <p:clrMapOvr>
+    <a:masterClrMapping/>
+  </p:clrMapOvr>
+  <p:timing>
+    <p:tnLst>
+      <p:par>
+        <p:cTn id="1" dur="indefinite" restart="never" nodeType="tmRoot"/>
+      </p:par>
+    </p:tnLst>
+  </p:timing>
+</p:sld>
+</file>
+
+<file path=ppt/slides/slide14.xml><?xml version="1.0" encoding="utf-8"?>
+<p:sld xmlns:a="http://schemas.openxmlformats.org/drawingml/2006/main" xmlns:r="http://schemas.openxmlformats.org/officeDocument/2006/relationships" xmlns:p="http://schemas.openxmlformats.org/presentationml/2006/main">
+  <p:cSld>
+    <p:spTree>
+      <p:nvGrpSpPr>
+        <p:cNvPr id="1" name=""/>
+        <p:cNvGrpSpPr/>
+        <p:nvPr/>
+      </p:nvGrpSpPr>
+      <p:grpSpPr>
+        <a:xfrm>
+          <a:off x="0" y="0"/>
+          <a:ext cx="0" cy="0"/>
+          <a:chOff x="0" y="0"/>
+          <a:chExt cx="0" cy="0"/>
+        </a:xfrm>
+      </p:grpSpPr>
+      <p:sp>
+        <p:nvSpPr>
+          <p:cNvPr id="2" name="Заголовок 1"/>
+          <p:cNvSpPr>
+            <a:spLocks noGrp="1"/>
+          </p:cNvSpPr>
+          <p:nvPr>
+            <p:ph type="title"/>
+          </p:nvPr>
+        </p:nvSpPr>
+        <p:spPr/>
+        <p:style>
+          <a:lnRef idx="1">
+            <a:schemeClr val="accent6"/>
+          </a:lnRef>
+          <a:fillRef idx="2">
+            <a:schemeClr val="accent6"/>
+          </a:fillRef>
+          <a:effectRef idx="1">
+            <a:schemeClr val="accent6"/>
+          </a:effectRef>
+          <a:fontRef idx="minor">
+            <a:schemeClr val="dk1"/>
+          </a:fontRef>
+        </p:style>
+        <p:txBody>
+          <a:bodyPr>
+            <a:normAutofit/>
+          </a:bodyPr>
+          <a:lstStyle/>
+          <a:p>
+            <a:r>
+              <a:rPr lang="ru-RU" sz="3200" b="1" dirty="0">
+                <a:latin typeface="Times New Roman" panose="02020603050405020304" pitchFamily="18" charset="0"/>
+                <a:cs typeface="Times New Roman" panose="02020603050405020304" pitchFamily="18" charset="0"/>
+              </a:rPr>
+              <a:t>Написать нейронную сеть, которая будет рекомендовать соотношение матрица.</a:t>
+            </a:r>
+            <a:endParaRPr lang="ru-RU" sz="3200" dirty="0">
+              <a:latin typeface="Times New Roman" panose="02020603050405020304" pitchFamily="18" charset="0"/>
+              <a:cs typeface="Times New Roman" panose="02020603050405020304" pitchFamily="18" charset="0"/>
+            </a:endParaRPr>
+          </a:p>
+        </p:txBody>
+      </p:sp>
+      <p:pic>
+        <p:nvPicPr>
+          <p:cNvPr id="8194" name="Picture 2" descr="C:\Users\svetl\Desktop\Дипломная работа Бауманка\Рисунки к ВКР\Рисунок 34.png"/>
+          <p:cNvPicPr>
+            <a:picLocks noGrp="1" noChangeAspect="1" noChangeArrowheads="1"/>
+          </p:cNvPicPr>
+          <p:nvPr>
+            <p:ph sz="half" idx="1"/>
+          </p:nvPr>
+        </p:nvPicPr>
+        <p:blipFill>
+          <a:blip r:embed="rId2">
+            <a:extLst>
+              <a:ext uri="{28A0092B-C50C-407E-A947-70E740481C1C}">
+                <a14:useLocalDpi xmlns:a14="http://schemas.microsoft.com/office/drawing/2010/main" val="0"/>
+              </a:ext>
+            </a:extLst>
+          </a:blip>
+          <a:srcRect/>
+          <a:stretch>
+            <a:fillRect/>
+          </a:stretch>
+        </p:blipFill>
+        <p:spPr bwMode="auto">
+          <a:xfrm>
+            <a:off x="395536" y="1340769"/>
+            <a:ext cx="4038600" cy="2664296"/>
+          </a:xfrm>
+          <a:prstGeom prst="rect">
+            <a:avLst/>
+          </a:prstGeom>
+        </p:spPr>
+        <p:style>
+          <a:lnRef idx="1">
+            <a:schemeClr val="accent2"/>
+          </a:lnRef>
+          <a:fillRef idx="3">
+            <a:schemeClr val="accent2"/>
+          </a:fillRef>
+          <a:effectRef idx="2">
+            <a:schemeClr val="accent2"/>
+          </a:effectRef>
+          <a:fontRef idx="minor">
+            <a:schemeClr val="lt1"/>
+          </a:fontRef>
+        </p:style>
+      </p:pic>
+      <p:pic>
+        <p:nvPicPr>
+          <p:cNvPr id="8195" name="Picture 3" descr="C:\Users\svetl\Desktop\Дипломная работа Бауманка\Рисунки к ВКР\Рисунок 33.png"/>
+          <p:cNvPicPr>
+            <a:picLocks noChangeAspect="1" noChangeArrowheads="1"/>
+          </p:cNvPicPr>
+          <p:nvPr/>
+        </p:nvPicPr>
+        <p:blipFill>
+          <a:blip r:embed="rId3">
+            <a:extLst>
+              <a:ext uri="{28A0092B-C50C-407E-A947-70E740481C1C}">
+                <a14:useLocalDpi xmlns:a14="http://schemas.microsoft.com/office/drawing/2010/main" val="0"/>
+              </a:ext>
+            </a:extLst>
+          </a:blip>
+          <a:srcRect/>
+          <a:stretch>
+            <a:fillRect/>
+          </a:stretch>
+        </p:blipFill>
+        <p:spPr bwMode="auto">
+          <a:xfrm>
+            <a:off x="683568" y="4149080"/>
+            <a:ext cx="8136904" cy="2708920"/>
+          </a:xfrm>
+          <a:prstGeom prst="rect">
+            <a:avLst/>
+          </a:prstGeom>
+        </p:spPr>
+        <p:style>
+          <a:lnRef idx="2">
+            <a:schemeClr val="accent5">
+              <a:shade val="50000"/>
+            </a:schemeClr>
+          </a:lnRef>
+          <a:fillRef idx="1">
+            <a:schemeClr val="accent5"/>
+          </a:fillRef>
+          <a:effectRef idx="0">
+            <a:schemeClr val="accent5"/>
+          </a:effectRef>
+          <a:fontRef idx="minor">
+            <a:schemeClr val="lt1"/>
+          </a:fontRef>
+        </p:style>
+      </p:pic>
+      <p:pic>
+        <p:nvPicPr>
+          <p:cNvPr id="8196" name="Picture 4" descr="C:\Users\svetl\Desktop\Дипломная работа Бауманка\Рисунки к ВКР\Рисунок 35.png"/>
+          <p:cNvPicPr>
+            <a:picLocks noGrp="1" noChangeAspect="1" noChangeArrowheads="1"/>
+          </p:cNvPicPr>
+          <p:nvPr>
+            <p:ph sz="half" idx="2"/>
+          </p:nvPr>
+        </p:nvPicPr>
+        <p:blipFill>
+          <a:blip r:embed="rId4">
+            <a:extLst>
+              <a:ext uri="{28A0092B-C50C-407E-A947-70E740481C1C}">
+                <a14:useLocalDpi xmlns:a14="http://schemas.microsoft.com/office/drawing/2010/main" val="0"/>
+              </a:ext>
+            </a:extLst>
+          </a:blip>
+          <a:srcRect/>
+          <a:stretch>
+            <a:fillRect/>
+          </a:stretch>
+        </p:blipFill>
+        <p:spPr bwMode="auto">
+          <a:xfrm>
+            <a:off x="4644008" y="1196752"/>
+            <a:ext cx="4038600" cy="2880320"/>
+          </a:xfrm>
+          <a:prstGeom prst="rect">
+            <a:avLst/>
+          </a:prstGeom>
+        </p:spPr>
+        <p:style>
+          <a:lnRef idx="0">
+            <a:schemeClr val="accent6"/>
+          </a:lnRef>
+          <a:fillRef idx="3">
+            <a:schemeClr val="accent6"/>
+          </a:fillRef>
+          <a:effectRef idx="3">
+            <a:schemeClr val="accent6"/>
+          </a:effectRef>
+          <a:fontRef idx="minor">
+            <a:schemeClr val="lt1"/>
+          </a:fontRef>
+        </p:style>
+      </p:pic>
+    </p:spTree>
+    <p:extLst>
+      <p:ext uri="{BB962C8B-B14F-4D97-AF65-F5344CB8AC3E}">
+        <p14:creationId xmlns:p14="http://schemas.microsoft.com/office/powerpoint/2010/main" val="3752161308"/>
+      </p:ext>
+    </p:extLst>
+  </p:cSld>
+  <p:clrMapOvr>
+    <a:masterClrMapping/>
+  </p:clrMapOvr>
+  <mc:AlternateContent xmlns:mc="http://schemas.openxmlformats.org/markup-compatibility/2006" xmlns:p14="http://schemas.microsoft.com/office/powerpoint/2010/main">
+    <mc:Choice Requires="p14">
+      <p:transition spd="slow" p14:dur="1500">
+        <p:split orient="vert"/>
+      </p:transition>
+    </mc:Choice>
+    <mc:Fallback xmlns="">
+      <p:transition spd="slow">
+        <p:split orient="vert"/>
+      </p:transition>
+    </mc:Fallback>
+  </mc:AlternateContent>
+  <p:timing>
+    <p:tnLst>
+      <p:par>
+        <p:cTn id="1" dur="indefinite" restart="never" nodeType="tmRoot"/>
+      </p:par>
+    </p:tnLst>
+  </p:timing>
+</p:sld>
+</file>
+
+<file path=ppt/slides/slide15.xml><?xml version="1.0" encoding="utf-8"?>
+<p:sld xmlns:a="http://schemas.openxmlformats.org/drawingml/2006/main" xmlns:r="http://schemas.openxmlformats.org/officeDocument/2006/relationships" xmlns:p="http://schemas.openxmlformats.org/presentationml/2006/main">
+  <p:cSld>
+    <p:spTree>
+      <p:nvGrpSpPr>
+        <p:cNvPr id="1" name=""/>
+        <p:cNvGrpSpPr/>
+        <p:nvPr/>
+      </p:nvGrpSpPr>
+      <p:grpSpPr>
+        <a:xfrm>
+          <a:off x="0" y="0"/>
+          <a:ext cx="0" cy="0"/>
+          <a:chOff x="0" y="0"/>
+          <a:chExt cx="0" cy="0"/>
+        </a:xfrm>
+      </p:grpSpPr>
+      <p:sp>
+        <p:nvSpPr>
+          <p:cNvPr id="2" name="Заголовок 1"/>
+          <p:cNvSpPr>
+            <a:spLocks noGrp="1"/>
+          </p:cNvSpPr>
+          <p:nvPr>
+            <p:ph type="title"/>
+          </p:nvPr>
+        </p:nvSpPr>
+        <p:spPr/>
+        <p:style>
+          <a:lnRef idx="3">
+            <a:schemeClr val="lt1"/>
+          </a:lnRef>
+          <a:fillRef idx="1">
+            <a:schemeClr val="accent4"/>
+          </a:fillRef>
+          <a:effectRef idx="1">
+            <a:schemeClr val="accent4"/>
+          </a:effectRef>
+          <a:fontRef idx="minor">
+            <a:schemeClr val="lt1"/>
+          </a:fontRef>
+        </p:style>
+        <p:txBody>
+          <a:bodyPr/>
+          <a:lstStyle/>
+          <a:p>
+            <a:r>
+              <a:rPr lang="ru-RU" b="1" dirty="0" smtClean="0"/>
+              <a:t>Разработка </a:t>
+            </a:r>
+            <a:r>
+              <a:rPr lang="ru-RU" b="1" dirty="0"/>
+              <a:t>приложения.</a:t>
+            </a:r>
+            <a:endParaRPr lang="ru-RU" dirty="0"/>
+          </a:p>
+        </p:txBody>
+      </p:sp>
+      <p:pic>
+        <p:nvPicPr>
+          <p:cNvPr id="9218" name="Picture 2" descr="C:\Users\svetl\Desktop\Дипломная работа Бауманка\Рисунки к ВКР\Рисунок 39.png"/>
+          <p:cNvPicPr>
+            <a:picLocks noChangeAspect="1" noChangeArrowheads="1"/>
+          </p:cNvPicPr>
+          <p:nvPr/>
+        </p:nvPicPr>
+        <p:blipFill>
+          <a:blip r:embed="rId2">
+            <a:extLst>
+              <a:ext uri="{28A0092B-C50C-407E-A947-70E740481C1C}">
+                <a14:useLocalDpi xmlns:a14="http://schemas.microsoft.com/office/drawing/2010/main" val="0"/>
+              </a:ext>
+            </a:extLst>
+          </a:blip>
+          <a:srcRect/>
+          <a:stretch>
+            <a:fillRect/>
+          </a:stretch>
+        </p:blipFill>
+        <p:spPr bwMode="auto">
+          <a:xfrm>
+            <a:off x="179512" y="1217473"/>
+            <a:ext cx="3384376" cy="2746095"/>
+          </a:xfrm>
+          <a:prstGeom prst="rect">
+            <a:avLst/>
+          </a:prstGeom>
+        </p:spPr>
+        <p:style>
+          <a:lnRef idx="1">
+            <a:schemeClr val="accent1"/>
+          </a:lnRef>
+          <a:fillRef idx="2">
+            <a:schemeClr val="accent1"/>
+          </a:fillRef>
+          <a:effectRef idx="1">
+            <a:schemeClr val="accent1"/>
+          </a:effectRef>
+          <a:fontRef idx="minor">
+            <a:schemeClr val="dk1"/>
+          </a:fontRef>
+        </p:style>
+      </p:pic>
+      <p:pic>
+        <p:nvPicPr>
+          <p:cNvPr id="9219" name="Picture 3" descr="C:\Users\svetl\Desktop\Дипломная работа Бауманка\Рисунки к ВКР\Рисунок 40.png"/>
+          <p:cNvPicPr>
+            <a:picLocks noChangeAspect="1" noChangeArrowheads="1"/>
+          </p:cNvPicPr>
+          <p:nvPr/>
+        </p:nvPicPr>
+        <p:blipFill>
+          <a:blip r:embed="rId3">
+            <a:extLst>
+              <a:ext uri="{28A0092B-C50C-407E-A947-70E740481C1C}">
+                <a14:useLocalDpi xmlns:a14="http://schemas.microsoft.com/office/drawing/2010/main" val="0"/>
+              </a:ext>
+            </a:extLst>
+          </a:blip>
+          <a:srcRect/>
+          <a:stretch>
+            <a:fillRect/>
+          </a:stretch>
+        </p:blipFill>
+        <p:spPr bwMode="auto">
+          <a:xfrm>
+            <a:off x="3779912" y="1239405"/>
+            <a:ext cx="5112568" cy="2766816"/>
+          </a:xfrm>
+          <a:prstGeom prst="rect">
+            <a:avLst/>
+          </a:prstGeom>
+        </p:spPr>
+        <p:style>
+          <a:lnRef idx="1">
+            <a:schemeClr val="accent2"/>
+          </a:lnRef>
+          <a:fillRef idx="2">
+            <a:schemeClr val="accent2"/>
+          </a:fillRef>
+          <a:effectRef idx="1">
+            <a:schemeClr val="accent2"/>
+          </a:effectRef>
+          <a:fontRef idx="minor">
+            <a:schemeClr val="dk1"/>
+          </a:fontRef>
+        </p:style>
+      </p:pic>
+      <p:pic>
+        <p:nvPicPr>
+          <p:cNvPr id="9220" name="Picture 4" descr="C:\Users\svetl\Desktop\Дипломная работа Бауманка\Рисунки к ВКР\Рисунок 41.png"/>
+          <p:cNvPicPr>
+            <a:picLocks noChangeAspect="1" noChangeArrowheads="1"/>
+          </p:cNvPicPr>
+          <p:nvPr/>
+        </p:nvPicPr>
+        <p:blipFill>
+          <a:blip r:embed="rId4">
+            <a:extLst>
+              <a:ext uri="{28A0092B-C50C-407E-A947-70E740481C1C}">
+                <a14:useLocalDpi xmlns:a14="http://schemas.microsoft.com/office/drawing/2010/main" val="0"/>
+              </a:ext>
+            </a:extLst>
+          </a:blip>
+          <a:srcRect/>
+          <a:stretch>
+            <a:fillRect/>
+          </a:stretch>
+        </p:blipFill>
+        <p:spPr bwMode="auto">
+          <a:xfrm>
+            <a:off x="157136" y="4149080"/>
+            <a:ext cx="8735343" cy="2588405"/>
+          </a:xfrm>
+          <a:prstGeom prst="rect">
+            <a:avLst/>
+          </a:prstGeom>
+        </p:spPr>
+        <p:style>
+          <a:lnRef idx="1">
+            <a:schemeClr val="accent3"/>
+          </a:lnRef>
+          <a:fillRef idx="3">
+            <a:schemeClr val="accent3"/>
+          </a:fillRef>
+          <a:effectRef idx="2">
+            <a:schemeClr val="accent3"/>
+          </a:effectRef>
+          <a:fontRef idx="minor">
+            <a:schemeClr val="lt1"/>
+          </a:fontRef>
+        </p:style>
+      </p:pic>
+    </p:spTree>
+    <p:extLst>
+      <p:ext uri="{BB962C8B-B14F-4D97-AF65-F5344CB8AC3E}">
+        <p14:creationId xmlns:p14="http://schemas.microsoft.com/office/powerpoint/2010/main" val="2638904840"/>
+      </p:ext>
+    </p:extLst>
+  </p:cSld>
+  <p:clrMapOvr>
+    <a:masterClrMapping/>
+  </p:clrMapOvr>
+  <p:timing>
+    <p:tnLst>
+      <p:par>
+        <p:cTn id="1" dur="indefinite" restart="never" nodeType="tmRoot"/>
+      </p:par>
+    </p:tnLst>
+  </p:timing>
 </p:sld>
 </file>
 
@@ -12680,13 +14004,13 @@
         </p:spPr>
         <p:style>
           <a:lnRef idx="1">
-            <a:schemeClr val="accent6"/>
+            <a:schemeClr val="accent2"/>
           </a:lnRef>
           <a:fillRef idx="2">
-            <a:schemeClr val="accent6"/>
+            <a:schemeClr val="accent2"/>
           </a:fillRef>
           <a:effectRef idx="1">
-            <a:schemeClr val="accent6"/>
+            <a:schemeClr val="accent2"/>
           </a:effectRef>
           <a:fontRef idx="minor">
             <a:schemeClr val="dk1"/>
@@ -12762,13 +14086,13 @@
   <p:clrMapOvr>
     <a:masterClrMapping/>
   </p:clrMapOvr>
-  <mc:AlternateContent xmlns:mc="http://schemas.openxmlformats.org/markup-compatibility/2006">
-    <mc:Choice xmlns:p14="http://schemas.microsoft.com/office/powerpoint/2010/main" Requires="p14">
+  <mc:AlternateContent xmlns:mc="http://schemas.openxmlformats.org/markup-compatibility/2006" xmlns:p14="http://schemas.microsoft.com/office/powerpoint/2010/main">
+    <mc:Choice Requires="p14">
       <p:transition spd="slow" p14:dur="1500">
         <p:split orient="vert"/>
       </p:transition>
     </mc:Choice>
-    <mc:Fallback>
+    <mc:Fallback xmlns="">
       <p:transition spd="slow">
         <p:split orient="vert"/>
       </p:transition>
@@ -12811,7 +14135,12 @@
             <p:ph type="title"/>
           </p:nvPr>
         </p:nvSpPr>
-        <p:spPr/>
+        <p:spPr>
+          <a:xfrm>
+            <a:off x="457200" y="274638"/>
+            <a:ext cx="8219256" cy="1282154"/>
+          </a:xfrm>
+        </p:spPr>
         <p:style>
           <a:lnRef idx="1">
             <a:schemeClr val="accent2"/>
@@ -12828,57 +14157,82 @@
         </p:style>
         <p:txBody>
           <a:bodyPr>
-            <a:scene3d>
-              <a:camera prst="orthographicFront"/>
-              <a:lightRig rig="brightRoom" dir="t"/>
-            </a:scene3d>
-            <a:sp3d contourW="6350" prstMaterial="plastic">
-              <a:bevelT w="20320" h="20320" prst="angle"/>
-              <a:contourClr>
-                <a:schemeClr val="accent1">
-                  <a:tint val="100000"/>
-                  <a:shade val="100000"/>
-                  <a:hueMod val="100000"/>
-                  <a:satMod val="100000"/>
-                </a:schemeClr>
-              </a:contourClr>
-            </a:sp3d>
+            <a:noAutofit/>
           </a:bodyPr>
           <a:lstStyle/>
           <a:p>
             <a:r>
-              <a:rPr lang="ru-RU" b="1" cap="all" dirty="0" err="1" smtClean="0">
-                <a:ln/>
-                <a:solidFill>
-                  <a:schemeClr val="accent1"/>
-                </a:solidFill>
+              <a:rPr lang="ru-RU" sz="2800" b="1" dirty="0">
+                <a:ln w="18000">
+                  <a:solidFill>
+                    <a:schemeClr val="accent2">
+                      <a:satMod val="140000"/>
+                    </a:schemeClr>
+                  </a:solidFill>
+                  <a:prstDash val="solid"/>
+                  <a:miter lim="800000"/>
+                </a:ln>
+                <a:noFill/>
                 <a:effectLst>
-                  <a:outerShdw blurRad="19685" dist="12700" dir="5400000" algn="tl" rotWithShape="0">
-                    <a:schemeClr val="accent1">
-                      <a:satMod val="130000"/>
-                      <a:alpha val="60000"/>
+                  <a:outerShdw blurRad="25500" dist="23000" dir="7020000" algn="tl">
+                    <a:srgbClr val="000000">
+                      <a:alpha val="50000"/>
+                    </a:srgbClr>
+                  </a:outerShdw>
+                </a:effectLst>
+                <a:latin typeface="Times New Roman" panose="02020603050405020304" pitchFamily="18" charset="0"/>
+                <a:cs typeface="Times New Roman" panose="02020603050405020304" pitchFamily="18" charset="0"/>
+              </a:rPr>
+              <a:t>Целью данной работы является прогнозирование конечных свойств новых материалов на основе </a:t>
+            </a:r>
+            <a:r>
+              <a:rPr lang="ru-RU" sz="2800" b="1" dirty="0" err="1">
+                <a:ln w="18000">
+                  <a:solidFill>
+                    <a:schemeClr val="accent2">
+                      <a:satMod val="140000"/>
                     </a:schemeClr>
+                  </a:solidFill>
+                  <a:prstDash val="solid"/>
+                  <a:miter lim="800000"/>
+                </a:ln>
+                <a:noFill/>
+                <a:effectLst>
+                  <a:outerShdw blurRad="25500" dist="23000" dir="7020000" algn="tl">
+                    <a:srgbClr val="000000">
+                      <a:alpha val="50000"/>
+                    </a:srgbClr>
                   </a:outerShdw>
-                  <a:reflection blurRad="10000" stA="55000" endPos="48000" dist="500" dir="5400000" sy="-100000" algn="bl" rotWithShape="0"/>
                 </a:effectLst>
+                <a:latin typeface="Times New Roman" panose="02020603050405020304" pitchFamily="18" charset="0"/>
+                <a:cs typeface="Times New Roman" panose="02020603050405020304" pitchFamily="18" charset="0"/>
               </a:rPr>
-              <a:t>Базальтопластик</a:t>
-            </a:r>
-            <a:endParaRPr lang="ru-RU" b="1" cap="all" dirty="0">
-              <a:ln/>
-              <a:solidFill>
-                <a:schemeClr val="accent1"/>
-              </a:solidFill>
-              <a:effectLst>
-                <a:outerShdw blurRad="19685" dist="12700" dir="5400000" algn="tl" rotWithShape="0">
-                  <a:schemeClr val="accent1">
-                    <a:satMod val="130000"/>
-                    <a:alpha val="60000"/>
-                  </a:schemeClr>
-                </a:outerShdw>
-                <a:reflection blurRad="10000" stA="55000" endPos="48000" dist="500" dir="5400000" sy="-100000" algn="bl" rotWithShape="0"/>
-              </a:effectLst>
-            </a:endParaRPr>
+              <a:t>базальтопластика</a:t>
+            </a:r>
+            <a:r>
+              <a:rPr lang="ru-RU" sz="2800" b="1" dirty="0">
+                <a:ln w="18000">
+                  <a:solidFill>
+                    <a:schemeClr val="accent2">
+                      <a:satMod val="140000"/>
+                    </a:schemeClr>
+                  </a:solidFill>
+                  <a:prstDash val="solid"/>
+                  <a:miter lim="800000"/>
+                </a:ln>
+                <a:noFill/>
+                <a:effectLst>
+                  <a:outerShdw blurRad="25500" dist="23000" dir="7020000" algn="tl">
+                    <a:srgbClr val="000000">
+                      <a:alpha val="50000"/>
+                    </a:srgbClr>
+                  </a:outerShdw>
+                </a:effectLst>
+                <a:latin typeface="Times New Roman" panose="02020603050405020304" pitchFamily="18" charset="0"/>
+                <a:cs typeface="Times New Roman" panose="02020603050405020304" pitchFamily="18" charset="0"/>
+              </a:rPr>
+              <a:t> </a:t>
+            </a:r>
           </a:p>
         </p:txBody>
       </p:sp>
@@ -12921,6 +14275,18 @@
   <p:clrMapOvr>
     <a:masterClrMapping/>
   </p:clrMapOvr>
+  <mc:AlternateContent xmlns:mc="http://schemas.openxmlformats.org/markup-compatibility/2006" xmlns:p14="http://schemas.microsoft.com/office/powerpoint/2010/main">
+    <mc:Choice Requires="p14">
+      <p:transition spd="slow" p14:dur="1500">
+        <p:split orient="vert"/>
+      </p:transition>
+    </mc:Choice>
+    <mc:Fallback xmlns="">
+      <p:transition spd="slow">
+        <p:split orient="vert"/>
+      </p:transition>
+    </mc:Fallback>
+  </mc:AlternateContent>
   <p:timing>
     <p:tnLst>
       <p:par>
@@ -12950,103 +14316,334 @@
       </p:grpSpPr>
       <p:sp>
         <p:nvSpPr>
-          <p:cNvPr id="2" name="Заголовок 1"/>
-          <p:cNvSpPr>
-            <a:spLocks noGrp="1"/>
-          </p:cNvSpPr>
-          <p:nvPr>
-            <p:ph type="title"/>
-          </p:nvPr>
-        </p:nvSpPr>
-        <p:spPr/>
-        <p:txBody>
-          <a:bodyPr/>
-          <a:lstStyle/>
-          <a:p>
-            <a:endParaRPr lang="ru-RU" dirty="0"/>
-          </a:p>
-        </p:txBody>
-      </p:sp>
-      <p:sp>
-        <p:nvSpPr>
-          <p:cNvPr id="3" name="Текст 2"/>
-          <p:cNvSpPr>
-            <a:spLocks noGrp="1"/>
-          </p:cNvSpPr>
-          <p:nvPr>
-            <p:ph type="body" idx="1"/>
-          </p:nvPr>
-        </p:nvSpPr>
-        <p:spPr/>
-        <p:txBody>
-          <a:bodyPr/>
-          <a:lstStyle/>
-          <a:p>
-            <a:endParaRPr lang="ru-RU" dirty="0"/>
-          </a:p>
-        </p:txBody>
-      </p:sp>
-      <p:sp>
-        <p:nvSpPr>
-          <p:cNvPr id="4" name="Объект 3"/>
-          <p:cNvSpPr>
-            <a:spLocks noGrp="1"/>
-          </p:cNvSpPr>
-          <p:nvPr>
-            <p:ph sz="half" idx="2"/>
-          </p:nvPr>
-        </p:nvSpPr>
-        <p:spPr/>
-        <p:txBody>
-          <a:bodyPr/>
-          <a:lstStyle/>
-          <a:p>
-            <a:endParaRPr lang="ru-RU" dirty="0"/>
-          </a:p>
-        </p:txBody>
-      </p:sp>
-      <p:sp>
-        <p:nvSpPr>
-          <p:cNvPr id="5" name="Текст 4"/>
-          <p:cNvSpPr>
-            <a:spLocks noGrp="1"/>
-          </p:cNvSpPr>
-          <p:nvPr>
-            <p:ph type="body" sz="quarter" idx="3"/>
-          </p:nvPr>
-        </p:nvSpPr>
-        <p:spPr/>
-        <p:txBody>
-          <a:bodyPr/>
-          <a:lstStyle/>
-          <a:p>
-            <a:endParaRPr lang="ru-RU"/>
-          </a:p>
-        </p:txBody>
-      </p:sp>
-      <p:sp>
-        <p:nvSpPr>
-          <p:cNvPr id="6" name="Объект 5"/>
-          <p:cNvSpPr>
-            <a:spLocks noGrp="1"/>
-          </p:cNvSpPr>
-          <p:nvPr>
-            <p:ph sz="quarter" idx="4"/>
-          </p:nvPr>
-        </p:nvSpPr>
-        <p:spPr/>
-        <p:txBody>
-          <a:bodyPr/>
-          <a:lstStyle/>
-          <a:p>
-            <a:endParaRPr lang="ru-RU"/>
+          <p:cNvPr id="2" name="Прямоугольник 1"/>
+          <p:cNvSpPr/>
+          <p:nvPr/>
+        </p:nvSpPr>
+        <p:spPr>
+          <a:xfrm>
+            <a:off x="467544" y="620688"/>
+            <a:ext cx="8424936" cy="6001643"/>
+          </a:xfrm>
+          <a:prstGeom prst="rect">
+            <a:avLst/>
+          </a:prstGeom>
+        </p:spPr>
+        <p:style>
+          <a:lnRef idx="1">
+            <a:schemeClr val="accent6"/>
+          </a:lnRef>
+          <a:fillRef idx="2">
+            <a:schemeClr val="accent6"/>
+          </a:fillRef>
+          <a:effectRef idx="1">
+            <a:schemeClr val="accent6"/>
+          </a:effectRef>
+          <a:fontRef idx="minor">
+            <a:schemeClr val="dk1"/>
+          </a:fontRef>
+        </p:style>
+        <p:txBody>
+          <a:bodyPr wrap="square">
+            <a:spAutoFit/>
+          </a:bodyPr>
+          <a:lstStyle/>
+          <a:p>
+            <a:r>
+              <a:rPr lang="ru-RU" sz="1600" dirty="0">
+                <a:latin typeface="Times New Roman" panose="02020603050405020304" pitchFamily="18" charset="0"/>
+                <a:cs typeface="Times New Roman" panose="02020603050405020304" pitchFamily="18" charset="0"/>
+              </a:rPr>
+              <a:t> </a:t>
+            </a:r>
+          </a:p>
+          <a:p>
+            <a:r>
+              <a:rPr lang="ru-RU" sz="1600" dirty="0">
+                <a:latin typeface="Times New Roman" panose="02020603050405020304" pitchFamily="18" charset="0"/>
+                <a:cs typeface="Times New Roman" panose="02020603050405020304" pitchFamily="18" charset="0"/>
+              </a:rPr>
+              <a:t>Для  исследовательской  работы  было дано  2 файла в формате </a:t>
+            </a:r>
+            <a:r>
+              <a:rPr lang="en-US" sz="1600" dirty="0" err="1">
+                <a:latin typeface="Times New Roman" panose="02020603050405020304" pitchFamily="18" charset="0"/>
+                <a:cs typeface="Times New Roman" panose="02020603050405020304" pitchFamily="18" charset="0"/>
+              </a:rPr>
+              <a:t>Exsel</a:t>
+            </a:r>
+            <a:r>
+              <a:rPr lang="en-US" sz="1600" dirty="0">
+                <a:latin typeface="Times New Roman" panose="02020603050405020304" pitchFamily="18" charset="0"/>
+                <a:cs typeface="Times New Roman" panose="02020603050405020304" pitchFamily="18" charset="0"/>
+              </a:rPr>
+              <a:t> c </a:t>
+            </a:r>
+            <a:r>
+              <a:rPr lang="ru-RU" sz="1600" dirty="0">
+                <a:latin typeface="Times New Roman" panose="02020603050405020304" pitchFamily="18" charset="0"/>
+                <a:cs typeface="Times New Roman" panose="02020603050405020304" pitchFamily="18" charset="0"/>
+              </a:rPr>
+              <a:t>данными по композитным материалам</a:t>
+            </a:r>
+            <a:r>
+              <a:rPr lang="ru-RU" sz="1600" dirty="0" smtClean="0">
+                <a:latin typeface="Times New Roman" panose="02020603050405020304" pitchFamily="18" charset="0"/>
+                <a:cs typeface="Times New Roman" panose="02020603050405020304" pitchFamily="18" charset="0"/>
+              </a:rPr>
+              <a:t>.</a:t>
+            </a:r>
+          </a:p>
+          <a:p>
+            <a:endParaRPr lang="ru-RU" sz="1600" dirty="0">
+              <a:latin typeface="Times New Roman" panose="02020603050405020304" pitchFamily="18" charset="0"/>
+              <a:cs typeface="Times New Roman" panose="02020603050405020304" pitchFamily="18" charset="0"/>
+            </a:endParaRPr>
+          </a:p>
+          <a:p>
+            <a:r>
+              <a:rPr lang="ru-RU" sz="1600" dirty="0">
+                <a:latin typeface="Times New Roman" panose="02020603050405020304" pitchFamily="18" charset="0"/>
+                <a:cs typeface="Times New Roman" panose="02020603050405020304" pitchFamily="18" charset="0"/>
+              </a:rPr>
+              <a:t>В ходе работы необходимо изучить </a:t>
+            </a:r>
+            <a:r>
+              <a:rPr lang="ru-RU" sz="1600" dirty="0" smtClean="0">
+                <a:latin typeface="Times New Roman" panose="02020603050405020304" pitchFamily="18" charset="0"/>
+                <a:cs typeface="Times New Roman" panose="02020603050405020304" pitchFamily="18" charset="0"/>
+              </a:rPr>
+              <a:t>методы </a:t>
+            </a:r>
+            <a:r>
+              <a:rPr lang="ru-RU" sz="1600" dirty="0">
+                <a:latin typeface="Times New Roman" panose="02020603050405020304" pitchFamily="18" charset="0"/>
+                <a:cs typeface="Times New Roman" panose="02020603050405020304" pitchFamily="18" charset="0"/>
+              </a:rPr>
+              <a:t>решения поставленной задачи. </a:t>
+            </a:r>
+            <a:endParaRPr lang="ru-RU" sz="1600" dirty="0" smtClean="0">
+              <a:latin typeface="Times New Roman" panose="02020603050405020304" pitchFamily="18" charset="0"/>
+              <a:cs typeface="Times New Roman" panose="02020603050405020304" pitchFamily="18" charset="0"/>
+            </a:endParaRPr>
+          </a:p>
+          <a:p>
+            <a:endParaRPr lang="ru-RU" sz="1600" dirty="0">
+              <a:latin typeface="Times New Roman" panose="02020603050405020304" pitchFamily="18" charset="0"/>
+              <a:cs typeface="Times New Roman" panose="02020603050405020304" pitchFamily="18" charset="0"/>
+            </a:endParaRPr>
+          </a:p>
+          <a:p>
+            <a:r>
+              <a:rPr lang="ru-RU" sz="1600" dirty="0">
+                <a:latin typeface="Times New Roman" panose="02020603050405020304" pitchFamily="18" charset="0"/>
+                <a:cs typeface="Times New Roman" panose="02020603050405020304" pitchFamily="18" charset="0"/>
+              </a:rPr>
+              <a:t>Провести разведочный анализ предложенных данных</a:t>
+            </a:r>
+            <a:r>
+              <a:rPr lang="ru-RU" sz="1600" dirty="0" smtClean="0">
+                <a:latin typeface="Times New Roman" panose="02020603050405020304" pitchFamily="18" charset="0"/>
+                <a:cs typeface="Times New Roman" panose="02020603050405020304" pitchFamily="18" charset="0"/>
+              </a:rPr>
+              <a:t>.</a:t>
+            </a:r>
+          </a:p>
+          <a:p>
+            <a:endParaRPr lang="ru-RU" sz="1600" dirty="0" smtClean="0">
+              <a:latin typeface="Times New Roman" panose="02020603050405020304" pitchFamily="18" charset="0"/>
+              <a:cs typeface="Times New Roman" panose="02020603050405020304" pitchFamily="18" charset="0"/>
+            </a:endParaRPr>
+          </a:p>
+          <a:p>
+            <a:r>
+              <a:rPr lang="ru-RU" sz="1600" dirty="0" smtClean="0">
+                <a:latin typeface="Times New Roman" panose="02020603050405020304" pitchFamily="18" charset="0"/>
+                <a:cs typeface="Times New Roman" panose="02020603050405020304" pitchFamily="18" charset="0"/>
+              </a:rPr>
+              <a:t>Нарисовать </a:t>
+            </a:r>
+            <a:r>
+              <a:rPr lang="ru-RU" sz="1600" dirty="0">
+                <a:latin typeface="Times New Roman" panose="02020603050405020304" pitchFamily="18" charset="0"/>
+                <a:cs typeface="Times New Roman" panose="02020603050405020304" pitchFamily="18" charset="0"/>
+              </a:rPr>
+              <a:t>гистограммы распределения, диаграммы ящика с усами, графики рассеяния точек. </a:t>
+            </a:r>
+          </a:p>
+          <a:p>
+            <a:r>
+              <a:rPr lang="ru-RU" sz="1600" dirty="0" smtClean="0">
+                <a:latin typeface="Times New Roman" panose="02020603050405020304" pitchFamily="18" charset="0"/>
+                <a:cs typeface="Times New Roman" panose="02020603050405020304" pitchFamily="18" charset="0"/>
+              </a:rPr>
+              <a:t>Получить </a:t>
+            </a:r>
+            <a:r>
+              <a:rPr lang="ru-RU" sz="1600" dirty="0">
+                <a:latin typeface="Times New Roman" panose="02020603050405020304" pitchFamily="18" charset="0"/>
+                <a:cs typeface="Times New Roman" panose="02020603050405020304" pitchFamily="18" charset="0"/>
+              </a:rPr>
+              <a:t>среднее, медианное значение, провести анализ и исключение выбросов, проверить наличие пропусков, </a:t>
+            </a:r>
+            <a:r>
+              <a:rPr lang="ru-RU" sz="1600" dirty="0" err="1">
+                <a:latin typeface="Times New Roman" panose="02020603050405020304" pitchFamily="18" charset="0"/>
+                <a:cs typeface="Times New Roman" panose="02020603050405020304" pitchFamily="18" charset="0"/>
+              </a:rPr>
+              <a:t>предобработать</a:t>
+            </a:r>
+            <a:r>
+              <a:rPr lang="ru-RU" sz="1600" dirty="0">
+                <a:latin typeface="Times New Roman" panose="02020603050405020304" pitchFamily="18" charset="0"/>
+                <a:cs typeface="Times New Roman" panose="02020603050405020304" pitchFamily="18" charset="0"/>
+              </a:rPr>
+              <a:t> данные: удалить шумы и выбросы, сделать нормализацию и стандартизацию. </a:t>
+            </a:r>
+            <a:endParaRPr lang="ru-RU" sz="1600" dirty="0" smtClean="0">
+              <a:latin typeface="Times New Roman" panose="02020603050405020304" pitchFamily="18" charset="0"/>
+              <a:cs typeface="Times New Roman" panose="02020603050405020304" pitchFamily="18" charset="0"/>
+            </a:endParaRPr>
+          </a:p>
+          <a:p>
+            <a:endParaRPr lang="ru-RU" sz="1600" dirty="0">
+              <a:latin typeface="Times New Roman" panose="02020603050405020304" pitchFamily="18" charset="0"/>
+              <a:cs typeface="Times New Roman" panose="02020603050405020304" pitchFamily="18" charset="0"/>
+            </a:endParaRPr>
+          </a:p>
+          <a:p>
+            <a:r>
+              <a:rPr lang="ru-RU" sz="1600" dirty="0">
+                <a:latin typeface="Times New Roman" panose="02020603050405020304" pitchFamily="18" charset="0"/>
+                <a:cs typeface="Times New Roman" panose="02020603050405020304" pitchFamily="18" charset="0"/>
+              </a:rPr>
+              <a:t>Обучить несколько моделей для прогноза модуля упругости при растяжении и прочности при растяжении. </a:t>
+            </a:r>
+            <a:endParaRPr lang="ru-RU" sz="1600" dirty="0" smtClean="0">
+              <a:latin typeface="Times New Roman" panose="02020603050405020304" pitchFamily="18" charset="0"/>
+              <a:cs typeface="Times New Roman" panose="02020603050405020304" pitchFamily="18" charset="0"/>
+            </a:endParaRPr>
+          </a:p>
+          <a:p>
+            <a:endParaRPr lang="ru-RU" sz="1600" dirty="0">
+              <a:latin typeface="Times New Roman" panose="02020603050405020304" pitchFamily="18" charset="0"/>
+              <a:cs typeface="Times New Roman" panose="02020603050405020304" pitchFamily="18" charset="0"/>
+            </a:endParaRPr>
+          </a:p>
+          <a:p>
+            <a:r>
+              <a:rPr lang="ru-RU" sz="1600" dirty="0">
+                <a:latin typeface="Times New Roman" panose="02020603050405020304" pitchFamily="18" charset="0"/>
+                <a:cs typeface="Times New Roman" panose="02020603050405020304" pitchFamily="18" charset="0"/>
+              </a:rPr>
+              <a:t>Написать нейронную сеть, которая будет рекомендовать соотношение матрица-наполнитель. </a:t>
+            </a:r>
+            <a:endParaRPr lang="ru-RU" sz="1600" dirty="0" smtClean="0">
+              <a:latin typeface="Times New Roman" panose="02020603050405020304" pitchFamily="18" charset="0"/>
+              <a:cs typeface="Times New Roman" panose="02020603050405020304" pitchFamily="18" charset="0"/>
+            </a:endParaRPr>
+          </a:p>
+          <a:p>
+            <a:endParaRPr lang="ru-RU" sz="1600" dirty="0">
+              <a:latin typeface="Times New Roman" panose="02020603050405020304" pitchFamily="18" charset="0"/>
+              <a:cs typeface="Times New Roman" panose="02020603050405020304" pitchFamily="18" charset="0"/>
+            </a:endParaRPr>
+          </a:p>
+          <a:p>
+            <a:r>
+              <a:rPr lang="ru-RU" sz="1600" dirty="0">
+                <a:latin typeface="Times New Roman" panose="02020603050405020304" pitchFamily="18" charset="0"/>
+                <a:cs typeface="Times New Roman" panose="02020603050405020304" pitchFamily="18" charset="0"/>
+              </a:rPr>
+              <a:t>Разработать приложение с графическим интерфейсом или интерфейсом командной строки, которое будет выдавать прогноз соотношения «матрица-наполнитель». </a:t>
+            </a:r>
+            <a:endParaRPr lang="ru-RU" sz="1600" dirty="0" smtClean="0">
+              <a:latin typeface="Times New Roman" panose="02020603050405020304" pitchFamily="18" charset="0"/>
+              <a:cs typeface="Times New Roman" panose="02020603050405020304" pitchFamily="18" charset="0"/>
+            </a:endParaRPr>
+          </a:p>
+          <a:p>
+            <a:endParaRPr lang="ru-RU" sz="1600" dirty="0">
+              <a:latin typeface="Times New Roman" panose="02020603050405020304" pitchFamily="18" charset="0"/>
+              <a:cs typeface="Times New Roman" panose="02020603050405020304" pitchFamily="18" charset="0"/>
+            </a:endParaRPr>
+          </a:p>
+          <a:p>
+            <a:r>
+              <a:rPr lang="ru-RU" sz="1600" dirty="0">
+                <a:latin typeface="Times New Roman" panose="02020603050405020304" pitchFamily="18" charset="0"/>
+                <a:cs typeface="Times New Roman" panose="02020603050405020304" pitchFamily="18" charset="0"/>
+              </a:rPr>
+              <a:t>Оценить точность модели на тренировочном и тестовом </a:t>
+            </a:r>
+            <a:r>
+              <a:rPr lang="ru-RU" sz="1600" dirty="0" err="1">
+                <a:latin typeface="Times New Roman" panose="02020603050405020304" pitchFamily="18" charset="0"/>
+                <a:cs typeface="Times New Roman" panose="02020603050405020304" pitchFamily="18" charset="0"/>
+              </a:rPr>
+              <a:t>датасете</a:t>
+            </a:r>
+            <a:r>
+              <a:rPr lang="ru-RU" sz="1600" dirty="0">
+                <a:latin typeface="Times New Roman" panose="02020603050405020304" pitchFamily="18" charset="0"/>
+                <a:cs typeface="Times New Roman" panose="02020603050405020304" pitchFamily="18" charset="0"/>
+              </a:rPr>
+              <a:t>.  </a:t>
+            </a:r>
+            <a:endParaRPr lang="ru-RU" sz="1600" dirty="0" smtClean="0">
+              <a:latin typeface="Times New Roman" panose="02020603050405020304" pitchFamily="18" charset="0"/>
+              <a:cs typeface="Times New Roman" panose="02020603050405020304" pitchFamily="18" charset="0"/>
+            </a:endParaRPr>
+          </a:p>
+          <a:p>
+            <a:endParaRPr lang="ru-RU" sz="1600" dirty="0" smtClean="0">
+              <a:latin typeface="Times New Roman" panose="02020603050405020304" pitchFamily="18" charset="0"/>
+              <a:cs typeface="Times New Roman" panose="02020603050405020304" pitchFamily="18" charset="0"/>
+            </a:endParaRPr>
+          </a:p>
+          <a:p>
+            <a:r>
+              <a:rPr lang="ru-RU" sz="1600" dirty="0" smtClean="0">
+                <a:latin typeface="Times New Roman" panose="02020603050405020304" pitchFamily="18" charset="0"/>
+                <a:cs typeface="Times New Roman" panose="02020603050405020304" pitchFamily="18" charset="0"/>
+              </a:rPr>
+              <a:t>Создать </a:t>
+            </a:r>
+            <a:r>
+              <a:rPr lang="ru-RU" sz="1600" dirty="0" err="1">
+                <a:latin typeface="Times New Roman" panose="02020603050405020304" pitchFamily="18" charset="0"/>
+                <a:cs typeface="Times New Roman" panose="02020603050405020304" pitchFamily="18" charset="0"/>
+              </a:rPr>
+              <a:t>репозиторий</a:t>
+            </a:r>
+            <a:r>
+              <a:rPr lang="ru-RU" sz="1600" dirty="0">
+                <a:latin typeface="Times New Roman" panose="02020603050405020304" pitchFamily="18" charset="0"/>
+                <a:cs typeface="Times New Roman" panose="02020603050405020304" pitchFamily="18" charset="0"/>
+              </a:rPr>
+              <a:t> в </a:t>
+            </a:r>
+            <a:r>
+              <a:rPr lang="ru-RU" sz="1600" dirty="0" err="1">
+                <a:latin typeface="Times New Roman" panose="02020603050405020304" pitchFamily="18" charset="0"/>
+                <a:cs typeface="Times New Roman" panose="02020603050405020304" pitchFamily="18" charset="0"/>
+              </a:rPr>
+              <a:t>GitHub</a:t>
+            </a:r>
+            <a:r>
+              <a:rPr lang="ru-RU" sz="1600" dirty="0">
+                <a:latin typeface="Times New Roman" panose="02020603050405020304" pitchFamily="18" charset="0"/>
+                <a:cs typeface="Times New Roman" panose="02020603050405020304" pitchFamily="18" charset="0"/>
+              </a:rPr>
+              <a:t> и разместить код исследования. Оформить файл README.</a:t>
+            </a:r>
           </a:p>
         </p:txBody>
       </p:sp>
     </p:spTree>
     <p:extLst>
       <p:ext uri="{BB962C8B-B14F-4D97-AF65-F5344CB8AC3E}">
-        <p14:creationId xmlns:p14="http://schemas.microsoft.com/office/powerpoint/2010/main" val="1984215753"/>
+        <p14:creationId xmlns:p14="http://schemas.microsoft.com/office/powerpoint/2010/main" val="3872380216"/>
       </p:ext>
     </p:extLst>
   </p:cSld>
@@ -13090,55 +14687,222 @@
             <p:ph type="title"/>
           </p:nvPr>
         </p:nvSpPr>
-        <p:spPr/>
-        <p:txBody>
-          <a:bodyPr/>
-          <a:lstStyle/>
-          <a:p>
-            <a:endParaRPr lang="ru-RU"/>
-          </a:p>
-        </p:txBody>
-      </p:sp>
-      <p:sp>
-        <p:nvSpPr>
-          <p:cNvPr id="3" name="Рисунок 2"/>
-          <p:cNvSpPr>
-            <a:spLocks noGrp="1"/>
-          </p:cNvSpPr>
-          <p:nvPr>
-            <p:ph type="pic" idx="1"/>
-          </p:nvPr>
-        </p:nvSpPr>
         <p:spPr>
           <a:xfrm>
-            <a:off x="323528" y="476672"/>
-            <a:ext cx="8496944" cy="4250903"/>
+            <a:off x="457200" y="274638"/>
+            <a:ext cx="8147248" cy="634082"/>
           </a:xfrm>
         </p:spPr>
-      </p:sp>
-      <p:sp>
-        <p:nvSpPr>
-          <p:cNvPr id="4" name="Текст 3"/>
-          <p:cNvSpPr>
-            <a:spLocks noGrp="1"/>
-          </p:cNvSpPr>
-          <p:nvPr>
-            <p:ph type="body" sz="half" idx="2"/>
-          </p:nvPr>
-        </p:nvSpPr>
-        <p:spPr/>
-        <p:txBody>
-          <a:bodyPr/>
-          <a:lstStyle/>
-          <a:p>
-            <a:endParaRPr lang="ru-RU"/>
+        <p:style>
+          <a:lnRef idx="1">
+            <a:schemeClr val="accent5"/>
+          </a:lnRef>
+          <a:fillRef idx="2">
+            <a:schemeClr val="accent5"/>
+          </a:fillRef>
+          <a:effectRef idx="1">
+            <a:schemeClr val="accent5"/>
+          </a:effectRef>
+          <a:fontRef idx="minor">
+            <a:schemeClr val="dk1"/>
+          </a:fontRef>
+        </p:style>
+        <p:txBody>
+          <a:bodyPr>
+            <a:normAutofit fontScale="90000"/>
+          </a:bodyPr>
+          <a:lstStyle/>
+          <a:p>
+            <a:r>
+              <a:rPr lang="ru-RU" b="1" dirty="0"/>
+              <a:t>Описание используемых методов</a:t>
+            </a:r>
+            <a:endParaRPr lang="ru-RU" dirty="0"/>
+          </a:p>
+        </p:txBody>
+      </p:sp>
+      <p:sp>
+        <p:nvSpPr>
+          <p:cNvPr id="3" name="Прямоугольник 2"/>
+          <p:cNvSpPr/>
+          <p:nvPr/>
+        </p:nvSpPr>
+        <p:spPr>
+          <a:xfrm>
+            <a:off x="359248" y="1052736"/>
+            <a:ext cx="8496944" cy="5632311"/>
+          </a:xfrm>
+          <a:prstGeom prst="rect">
+            <a:avLst/>
+          </a:prstGeom>
+        </p:spPr>
+        <p:style>
+          <a:lnRef idx="1">
+            <a:schemeClr val="accent5"/>
+          </a:lnRef>
+          <a:fillRef idx="2">
+            <a:schemeClr val="accent5"/>
+          </a:fillRef>
+          <a:effectRef idx="1">
+            <a:schemeClr val="accent5"/>
+          </a:effectRef>
+          <a:fontRef idx="minor">
+            <a:schemeClr val="dk1"/>
+          </a:fontRef>
+        </p:style>
+        <p:txBody>
+          <a:bodyPr wrap="square">
+            <a:spAutoFit/>
+          </a:bodyPr>
+          <a:lstStyle/>
+          <a:p>
+            <a:pPr algn="ctr"/>
+            <a:r>
+              <a:rPr lang="ru-RU" dirty="0"/>
+              <a:t>Данная задача в рамках классификации категорий машинного обучения относится к </a:t>
+            </a:r>
+            <a:r>
+              <a:rPr lang="ru-RU" b="1" dirty="0"/>
+              <a:t>машинному обучению с учителем и традиционно это задача регрессии</a:t>
+            </a:r>
+            <a:r>
+              <a:rPr lang="ru-RU" dirty="0"/>
+              <a:t>. Цель любого алгоритма обучения с учителем — определить функцию потерь и минимизировать её, поэтому для наилучшего решения в процессе исследования были применены следующие методы:</a:t>
+            </a:r>
+          </a:p>
+          <a:p>
+            <a:pPr lvl="0" algn="ctr"/>
+            <a:r>
+              <a:rPr lang="ru-RU" b="1" i="1" dirty="0"/>
+              <a:t>случайный лес;</a:t>
+            </a:r>
+          </a:p>
+          <a:p>
+            <a:pPr lvl="0" algn="ctr"/>
+            <a:r>
+              <a:rPr lang="ru-RU" b="1" i="1" dirty="0"/>
+              <a:t>линейная регрессия;</a:t>
+            </a:r>
+          </a:p>
+          <a:p>
+            <a:pPr lvl="0" algn="ctr"/>
+            <a:r>
+              <a:rPr lang="ru-RU" b="1" i="1" dirty="0"/>
+              <a:t>К</a:t>
+            </a:r>
+            <a:r>
+              <a:rPr lang="en-US" b="1" i="1" dirty="0"/>
+              <a:t>-</a:t>
+            </a:r>
+            <a:r>
+              <a:rPr lang="ru-RU" b="1" i="1" dirty="0"/>
+              <a:t>ближайших соседей</a:t>
+            </a:r>
+            <a:r>
+              <a:rPr lang="en-US" b="1" i="1" dirty="0"/>
+              <a:t>;</a:t>
+            </a:r>
+            <a:endParaRPr lang="ru-RU" b="1" i="1" dirty="0"/>
+          </a:p>
+          <a:p>
+            <a:pPr lvl="0" algn="ctr"/>
+            <a:r>
+              <a:rPr lang="ru-RU" b="1" i="1" dirty="0"/>
+              <a:t>дерево решений</a:t>
+            </a:r>
+            <a:r>
+              <a:rPr lang="ru-RU" b="1" i="1" dirty="0" smtClean="0"/>
+              <a:t>;</a:t>
+            </a:r>
+          </a:p>
+          <a:p>
+            <a:pPr lvl="0" algn="ctr"/>
+            <a:r>
+              <a:rPr lang="ru-RU" b="1" dirty="0"/>
+              <a:t>Случайный лес (</a:t>
+            </a:r>
+            <a:r>
+              <a:rPr lang="ru-RU" b="1" dirty="0" err="1"/>
+              <a:t>RandomForest</a:t>
+            </a:r>
+            <a:r>
+              <a:rPr lang="ru-RU" b="1" dirty="0"/>
+              <a:t>) </a:t>
+            </a:r>
+            <a:r>
+              <a:rPr lang="ru-RU" dirty="0"/>
+              <a:t>— это множество решающих деревьев. Универсальный алгоритм машинного обучения с учителем, представитель ансамблевых методов.  </a:t>
+            </a:r>
+            <a:endParaRPr lang="ru-RU" dirty="0" smtClean="0"/>
+          </a:p>
+          <a:p>
+            <a:pPr algn="ctr"/>
+            <a:r>
+              <a:rPr lang="ru-RU" b="1" dirty="0"/>
+              <a:t>Метод ближайших соседей </a:t>
+            </a:r>
+            <a:r>
+              <a:rPr lang="ru-RU" dirty="0"/>
+              <a:t>- К-ближайших соседей (</a:t>
+            </a:r>
+            <a:r>
+              <a:rPr lang="en-US" dirty="0" err="1"/>
+              <a:t>kNN</a:t>
+            </a:r>
+            <a:r>
+              <a:rPr lang="ru-RU" dirty="0"/>
+              <a:t> - </a:t>
+            </a:r>
+            <a:r>
+              <a:rPr lang="en-US" dirty="0"/>
+              <a:t>k Nearest </a:t>
+            </a:r>
+            <a:r>
+              <a:rPr lang="en-US" dirty="0" err="1"/>
+              <a:t>Neighbours</a:t>
+            </a:r>
+            <a:r>
+              <a:rPr lang="ru-RU" dirty="0"/>
+              <a:t>) ищет ближайшие объекты с известными значения целевой переменной и основывается на хранении данных в памяти для сравнения с новыми элементами. </a:t>
+            </a:r>
+          </a:p>
+          <a:p>
+            <a:pPr lvl="0" algn="ctr"/>
+            <a:r>
+              <a:rPr lang="ru-RU" b="1" dirty="0"/>
+              <a:t>Дерево принятия решений </a:t>
+            </a:r>
+            <a:r>
+              <a:rPr lang="ru-RU" dirty="0"/>
+              <a:t>(</a:t>
+            </a:r>
+            <a:r>
+              <a:rPr lang="ru-RU" dirty="0" err="1"/>
+              <a:t>DecisionTreeRegressor</a:t>
+            </a:r>
+            <a:r>
+              <a:rPr lang="ru-RU" dirty="0"/>
+              <a:t>) – метод автоматического анализа больших массивов данных.  </a:t>
+            </a:r>
+            <a:endParaRPr lang="ru-RU" dirty="0" smtClean="0"/>
+          </a:p>
+          <a:p>
+            <a:pPr algn="ctr"/>
+            <a:r>
+              <a:rPr lang="ru-RU" dirty="0"/>
+              <a:t>Дерево принятия решений - эффективный инструмент интеллектуального анализа данных и предсказательной аналитики. </a:t>
+            </a:r>
+          </a:p>
+          <a:p>
+            <a:pPr lvl="0" algn="ctr"/>
+            <a:endParaRPr lang="ru-RU" dirty="0"/>
           </a:p>
         </p:txBody>
       </p:sp>
     </p:spTree>
     <p:extLst>
       <p:ext uri="{BB962C8B-B14F-4D97-AF65-F5344CB8AC3E}">
-        <p14:creationId xmlns:p14="http://schemas.microsoft.com/office/powerpoint/2010/main" val="2606297060"/>
+        <p14:creationId xmlns:p14="http://schemas.microsoft.com/office/powerpoint/2010/main" val="2143331221"/>
       </p:ext>
     </p:extLst>
   </p:cSld>
@@ -13179,32 +14943,217 @@
             <a:spLocks noGrp="1"/>
           </p:cNvSpPr>
           <p:nvPr>
-            <p:ph type="ctrTitle"/>
+            <p:ph type="title"/>
           </p:nvPr>
         </p:nvSpPr>
         <p:spPr/>
-        <p:txBody>
-          <a:bodyPr/>
-          <a:lstStyle/>
-          <a:p>
+        <p:style>
+          <a:lnRef idx="1">
+            <a:schemeClr val="accent3"/>
+          </a:lnRef>
+          <a:fillRef idx="2">
+            <a:schemeClr val="accent3"/>
+          </a:fillRef>
+          <a:effectRef idx="1">
+            <a:schemeClr val="accent3"/>
+          </a:effectRef>
+          <a:fontRef idx="minor">
+            <a:schemeClr val="dk1"/>
+          </a:fontRef>
+        </p:style>
+        <p:txBody>
+          <a:bodyPr/>
+          <a:lstStyle/>
+          <a:p>
+            <a:r>
+              <a:rPr lang="ru-RU" b="1" dirty="0"/>
+              <a:t>Разведочный анализ данных</a:t>
+            </a:r>
             <a:endParaRPr lang="ru-RU" dirty="0"/>
           </a:p>
         </p:txBody>
       </p:sp>
       <p:sp>
         <p:nvSpPr>
-          <p:cNvPr id="3" name="Подзаголовок 2"/>
-          <p:cNvSpPr>
-            <a:spLocks noGrp="1"/>
-          </p:cNvSpPr>
-          <p:nvPr>
-            <p:ph type="subTitle" idx="1"/>
+          <p:cNvPr id="3" name="Текст 2"/>
+          <p:cNvSpPr>
+            <a:spLocks noGrp="1"/>
+          </p:cNvSpPr>
+          <p:nvPr>
+            <p:ph type="body" idx="1"/>
+          </p:nvPr>
+        </p:nvSpPr>
+        <p:spPr>
+          <a:xfrm>
+            <a:off x="457200" y="1535113"/>
+            <a:ext cx="4042792" cy="453727"/>
+          </a:xfrm>
+        </p:spPr>
+        <p:style>
+          <a:lnRef idx="1">
+            <a:schemeClr val="accent4"/>
+          </a:lnRef>
+          <a:fillRef idx="2">
+            <a:schemeClr val="accent4"/>
+          </a:fillRef>
+          <a:effectRef idx="1">
+            <a:schemeClr val="accent4"/>
+          </a:effectRef>
+          <a:fontRef idx="minor">
+            <a:schemeClr val="dk1"/>
+          </a:fontRef>
+        </p:style>
+        <p:txBody>
+          <a:bodyPr>
+            <a:normAutofit lnSpcReduction="10000"/>
+          </a:bodyPr>
+          <a:lstStyle/>
+          <a:p>
+            <a:pPr algn="ctr"/>
+            <a:r>
+              <a:rPr lang="ru-RU" dirty="0" smtClean="0"/>
+              <a:t>Цель анализа данных</a:t>
+            </a:r>
+            <a:endParaRPr lang="ru-RU" dirty="0"/>
+          </a:p>
+        </p:txBody>
+      </p:sp>
+      <p:sp>
+        <p:nvSpPr>
+          <p:cNvPr id="4" name="Объект 3"/>
+          <p:cNvSpPr>
+            <a:spLocks noGrp="1"/>
+          </p:cNvSpPr>
+          <p:nvPr>
+            <p:ph sz="half" idx="2"/>
           </p:nvPr>
         </p:nvSpPr>
         <p:spPr/>
-        <p:txBody>
-          <a:bodyPr/>
-          <a:lstStyle/>
+        <p:style>
+          <a:lnRef idx="1">
+            <a:schemeClr val="accent4"/>
+          </a:lnRef>
+          <a:fillRef idx="2">
+            <a:schemeClr val="accent4"/>
+          </a:fillRef>
+          <a:effectRef idx="1">
+            <a:schemeClr val="accent4"/>
+          </a:effectRef>
+          <a:fontRef idx="minor">
+            <a:schemeClr val="dk1"/>
+          </a:fontRef>
+        </p:style>
+        <p:txBody>
+          <a:bodyPr/>
+          <a:lstStyle/>
+          <a:p>
+            <a:r>
+              <a:rPr lang="ru-RU" sz="2800" b="1" dirty="0" smtClean="0"/>
+              <a:t>Цель </a:t>
+            </a:r>
+            <a:r>
+              <a:rPr lang="ru-RU" sz="2800" b="1" dirty="0"/>
+              <a:t>разведочного анализа - получение первоначальных представлений о характерах распределений переменных исходного набора данных.           </a:t>
+            </a:r>
+          </a:p>
+          <a:p>
+            <a:endParaRPr lang="ru-RU" dirty="0"/>
+          </a:p>
+        </p:txBody>
+      </p:sp>
+      <p:sp>
+        <p:nvSpPr>
+          <p:cNvPr id="5" name="Текст 4"/>
+          <p:cNvSpPr>
+            <a:spLocks noGrp="1"/>
+          </p:cNvSpPr>
+          <p:nvPr>
+            <p:ph type="body" sz="quarter" idx="3"/>
+          </p:nvPr>
+        </p:nvSpPr>
+        <p:spPr>
+          <a:xfrm>
+            <a:off x="4645025" y="1535113"/>
+            <a:ext cx="4041775" cy="453727"/>
+          </a:xfrm>
+        </p:spPr>
+        <p:style>
+          <a:lnRef idx="1">
+            <a:schemeClr val="accent6"/>
+          </a:lnRef>
+          <a:fillRef idx="2">
+            <a:schemeClr val="accent6"/>
+          </a:fillRef>
+          <a:effectRef idx="1">
+            <a:schemeClr val="accent6"/>
+          </a:effectRef>
+          <a:fontRef idx="minor">
+            <a:schemeClr val="dk1"/>
+          </a:fontRef>
+        </p:style>
+        <p:txBody>
+          <a:bodyPr>
+            <a:normAutofit lnSpcReduction="10000"/>
+          </a:bodyPr>
+          <a:lstStyle/>
+          <a:p>
+            <a:pPr algn="ctr"/>
+            <a:r>
+              <a:rPr lang="ru-RU" dirty="0" smtClean="0"/>
+              <a:t>Инструменты</a:t>
+            </a:r>
+            <a:endParaRPr lang="ru-RU" dirty="0"/>
+          </a:p>
+        </p:txBody>
+      </p:sp>
+      <p:sp>
+        <p:nvSpPr>
+          <p:cNvPr id="6" name="Объект 5"/>
+          <p:cNvSpPr>
+            <a:spLocks noGrp="1"/>
+          </p:cNvSpPr>
+          <p:nvPr>
+            <p:ph sz="quarter" idx="4"/>
+          </p:nvPr>
+        </p:nvSpPr>
+        <p:spPr/>
+        <p:style>
+          <a:lnRef idx="1">
+            <a:schemeClr val="accent6"/>
+          </a:lnRef>
+          <a:fillRef idx="2">
+            <a:schemeClr val="accent6"/>
+          </a:fillRef>
+          <a:effectRef idx="1">
+            <a:schemeClr val="accent6"/>
+          </a:effectRef>
+          <a:fontRef idx="minor">
+            <a:schemeClr val="dk1"/>
+          </a:fontRef>
+        </p:style>
+        <p:txBody>
+          <a:bodyPr>
+            <a:normAutofit fontScale="92500" lnSpcReduction="20000"/>
+          </a:bodyPr>
+          <a:lstStyle/>
+          <a:p>
+            <a:r>
+              <a:rPr lang="ru-RU" dirty="0"/>
+              <a:t>В качестве инструментов разведочного анализа используется: оценка статистических характеристик </a:t>
+            </a:r>
+            <a:r>
+              <a:rPr lang="ru-RU" dirty="0" err="1" smtClean="0"/>
+              <a:t>датасета</a:t>
+            </a:r>
+            <a:r>
+              <a:rPr lang="ru-RU" dirty="0" smtClean="0"/>
+              <a:t>: гистограммы </a:t>
+            </a:r>
+            <a:r>
+              <a:rPr lang="ru-RU" dirty="0"/>
+              <a:t>распределения, диаграммы ящика с усами, графики рассеяния точек, тепловая карта описательная статистика для каждой переменной, проверка наличия пропусков и дубликатов.</a:t>
+            </a:r>
+          </a:p>
           <a:p>
             <a:endParaRPr lang="ru-RU" dirty="0"/>
           </a:p>
@@ -13213,13 +15162,20 @@
     </p:spTree>
     <p:extLst>
       <p:ext uri="{BB962C8B-B14F-4D97-AF65-F5344CB8AC3E}">
-        <p14:creationId xmlns:p14="http://schemas.microsoft.com/office/powerpoint/2010/main" val="3049469379"/>
+        <p14:creationId xmlns:p14="http://schemas.microsoft.com/office/powerpoint/2010/main" val="1984215753"/>
       </p:ext>
     </p:extLst>
   </p:cSld>
   <p:clrMapOvr>
     <a:masterClrMapping/>
   </p:clrMapOvr>
+  <p:timing>
+    <p:tnLst>
+      <p:par>
+        <p:cTn id="1" dur="indefinite" restart="never" nodeType="tmRoot"/>
+      </p:par>
+    </p:tnLst>
+  </p:timing>
 </p:sld>
 </file>
 
@@ -13242,64 +15198,158 @@
       </p:grpSpPr>
       <p:sp>
         <p:nvSpPr>
-          <p:cNvPr id="2" name="Заголовок 1"/>
-          <p:cNvSpPr>
-            <a:spLocks noGrp="1"/>
-          </p:cNvSpPr>
-          <p:nvPr>
-            <p:ph type="title"/>
-          </p:nvPr>
-        </p:nvSpPr>
-        <p:spPr/>
-        <p:txBody>
-          <a:bodyPr/>
-          <a:lstStyle/>
-          <a:p>
-            <a:endParaRPr lang="ru-RU"/>
-          </a:p>
-        </p:txBody>
-      </p:sp>
-      <p:sp>
-        <p:nvSpPr>
-          <p:cNvPr id="3" name="Рисунок 2"/>
-          <p:cNvSpPr>
-            <a:spLocks noGrp="1"/>
-          </p:cNvSpPr>
-          <p:nvPr>
-            <p:ph type="pic" idx="1"/>
-          </p:nvPr>
-        </p:nvSpPr>
-        <p:spPr/>
-      </p:sp>
-      <p:sp>
-        <p:nvSpPr>
-          <p:cNvPr id="4" name="Текст 3"/>
-          <p:cNvSpPr>
-            <a:spLocks noGrp="1"/>
-          </p:cNvSpPr>
-          <p:nvPr>
-            <p:ph type="body" sz="half" idx="2"/>
-          </p:nvPr>
-        </p:nvSpPr>
-        <p:spPr/>
-        <p:txBody>
-          <a:bodyPr/>
-          <a:lstStyle/>
-          <a:p>
-            <a:endParaRPr lang="ru-RU"/>
-          </a:p>
-        </p:txBody>
-      </p:sp>
+          <p:cNvPr id="2" name="Прямоугольник 1"/>
+          <p:cNvSpPr/>
+          <p:nvPr/>
+        </p:nvSpPr>
+        <p:spPr>
+          <a:xfrm>
+            <a:off x="755576" y="548680"/>
+            <a:ext cx="8208912" cy="1754326"/>
+          </a:xfrm>
+          <a:prstGeom prst="rect">
+            <a:avLst/>
+          </a:prstGeom>
+        </p:spPr>
+        <p:style>
+          <a:lnRef idx="1">
+            <a:schemeClr val="accent5"/>
+          </a:lnRef>
+          <a:fillRef idx="3">
+            <a:schemeClr val="accent5"/>
+          </a:fillRef>
+          <a:effectRef idx="2">
+            <a:schemeClr val="accent5"/>
+          </a:effectRef>
+          <a:fontRef idx="minor">
+            <a:schemeClr val="lt1"/>
+          </a:fontRef>
+        </p:style>
+        <p:txBody>
+          <a:bodyPr wrap="square">
+            <a:spAutoFit/>
+          </a:bodyPr>
+          <a:lstStyle/>
+          <a:p>
+            <a:pPr algn="ctr"/>
+            <a:r>
+              <a:rPr lang="ru-RU" dirty="0"/>
+              <a:t>Прежде чем передать данные в работу моделей машинного обучения, необходимо обработать и очистить их. Очевидно, что необработанные данные могут содержать искажения и пропущенные значения – это может привести к крайне неверным результатам по итогам моделирования. Но безосновательно удалять что-либо тоже неправильно</a:t>
+            </a:r>
+            <a:r>
+              <a:rPr lang="ru-RU" b="1" dirty="0"/>
+              <a:t>. Именно поэтому сначала набор данных надо изучить. </a:t>
+            </a:r>
+          </a:p>
+        </p:txBody>
+      </p:sp>
+      <p:pic>
+        <p:nvPicPr>
+          <p:cNvPr id="1026" name="Picture 2" descr="C:\Users\svetl\Desktop\Дипломная работа Бауманка\Рисунки к ВКР\Рисунок 4.png"/>
+          <p:cNvPicPr>
+            <a:picLocks noChangeAspect="1" noChangeArrowheads="1"/>
+          </p:cNvPicPr>
+          <p:nvPr/>
+        </p:nvPicPr>
+        <p:blipFill>
+          <a:blip r:embed="rId2">
+            <a:extLst>
+              <a:ext uri="{28A0092B-C50C-407E-A947-70E740481C1C}">
+                <a14:useLocalDpi xmlns:a14="http://schemas.microsoft.com/office/drawing/2010/main" val="0"/>
+              </a:ext>
+            </a:extLst>
+          </a:blip>
+          <a:srcRect/>
+          <a:stretch>
+            <a:fillRect/>
+          </a:stretch>
+        </p:blipFill>
+        <p:spPr bwMode="auto">
+          <a:xfrm>
+            <a:off x="681530" y="2420888"/>
+            <a:ext cx="8276556" cy="1944216"/>
+          </a:xfrm>
+          <a:prstGeom prst="rect">
+            <a:avLst/>
+          </a:prstGeom>
+        </p:spPr>
+        <p:style>
+          <a:lnRef idx="1">
+            <a:schemeClr val="accent1"/>
+          </a:lnRef>
+          <a:fillRef idx="3">
+            <a:schemeClr val="accent1"/>
+          </a:fillRef>
+          <a:effectRef idx="2">
+            <a:schemeClr val="accent1"/>
+          </a:effectRef>
+          <a:fontRef idx="minor">
+            <a:schemeClr val="lt1"/>
+          </a:fontRef>
+        </p:style>
+      </p:pic>
+      <p:pic>
+        <p:nvPicPr>
+          <p:cNvPr id="1027" name="Picture 3" descr="C:\Users\svetl\Desktop\Дипломная работа Бауманка\Рисунки к ВКР\Рисунок 12.png"/>
+          <p:cNvPicPr>
+            <a:picLocks noChangeAspect="1" noChangeArrowheads="1"/>
+          </p:cNvPicPr>
+          <p:nvPr/>
+        </p:nvPicPr>
+        <p:blipFill>
+          <a:blip r:embed="rId3">
+            <a:extLst>
+              <a:ext uri="{28A0092B-C50C-407E-A947-70E740481C1C}">
+                <a14:useLocalDpi xmlns:a14="http://schemas.microsoft.com/office/drawing/2010/main" val="0"/>
+              </a:ext>
+            </a:extLst>
+          </a:blip>
+          <a:srcRect/>
+          <a:stretch>
+            <a:fillRect/>
+          </a:stretch>
+        </p:blipFill>
+        <p:spPr bwMode="auto">
+          <a:xfrm>
+            <a:off x="681530" y="4365104"/>
+            <a:ext cx="8263034" cy="2232248"/>
+          </a:xfrm>
+          <a:prstGeom prst="rect">
+            <a:avLst/>
+          </a:prstGeom>
+        </p:spPr>
+        <p:style>
+          <a:lnRef idx="1">
+            <a:schemeClr val="accent4"/>
+          </a:lnRef>
+          <a:fillRef idx="3">
+            <a:schemeClr val="accent4"/>
+          </a:fillRef>
+          <a:effectRef idx="2">
+            <a:schemeClr val="accent4"/>
+          </a:effectRef>
+          <a:fontRef idx="minor">
+            <a:schemeClr val="lt1"/>
+          </a:fontRef>
+        </p:style>
+      </p:pic>
     </p:spTree>
     <p:extLst>
       <p:ext uri="{BB962C8B-B14F-4D97-AF65-F5344CB8AC3E}">
-        <p14:creationId xmlns:p14="http://schemas.microsoft.com/office/powerpoint/2010/main" val="1752897114"/>
+        <p14:creationId xmlns:p14="http://schemas.microsoft.com/office/powerpoint/2010/main" val="3208894434"/>
       </p:ext>
     </p:extLst>
   </p:cSld>
   <p:clrMapOvr>
     <a:masterClrMapping/>
   </p:clrMapOvr>
+  <p:timing>
+    <p:tnLst>
+      <p:par>
+        <p:cTn id="1" dur="indefinite" restart="never" nodeType="tmRoot"/>
+      </p:par>
+    </p:tnLst>
+  </p:timing>
 </p:sld>
 </file>
 
@@ -13320,73 +15370,530 @@
           <a:chExt cx="0" cy="0"/>
         </a:xfrm>
       </p:grpSpPr>
-      <p:sp>
-        <p:nvSpPr>
-          <p:cNvPr id="2" name="Заголовок 1"/>
-          <p:cNvSpPr>
-            <a:spLocks noGrp="1"/>
-          </p:cNvSpPr>
-          <p:nvPr>
-            <p:ph type="title"/>
-          </p:nvPr>
-        </p:nvSpPr>
-        <p:spPr/>
-        <p:txBody>
-          <a:bodyPr/>
-          <a:lstStyle/>
-          <a:p>
-            <a:endParaRPr lang="ru-RU"/>
-          </a:p>
-        </p:txBody>
-      </p:sp>
-      <p:sp>
-        <p:nvSpPr>
-          <p:cNvPr id="3" name="Объект 2"/>
-          <p:cNvSpPr>
-            <a:spLocks noGrp="1"/>
-          </p:cNvSpPr>
-          <p:nvPr>
-            <p:ph sz="half" idx="1"/>
-          </p:nvPr>
-        </p:nvSpPr>
-        <p:spPr/>
-        <p:txBody>
-          <a:bodyPr/>
-          <a:lstStyle/>
-          <a:p>
-            <a:endParaRPr lang="ru-RU"/>
-          </a:p>
-        </p:txBody>
-      </p:sp>
-      <p:sp>
-        <p:nvSpPr>
-          <p:cNvPr id="4" name="Объект 3"/>
-          <p:cNvSpPr>
-            <a:spLocks noGrp="1"/>
-          </p:cNvSpPr>
-          <p:nvPr>
-            <p:ph sz="half" idx="2"/>
-          </p:nvPr>
-        </p:nvSpPr>
-        <p:spPr/>
-        <p:txBody>
-          <a:bodyPr/>
-          <a:lstStyle/>
-          <a:p>
-            <a:endParaRPr lang="ru-RU"/>
+      <p:pic>
+        <p:nvPicPr>
+          <p:cNvPr id="3076" name="Picture 4" descr="C:\Users\svetl\Desktop\Дипломная работа Бауманка\Рисунки к ВКР\Рисунок 3.png"/>
+          <p:cNvPicPr>
+            <a:picLocks noChangeAspect="1" noChangeArrowheads="1"/>
+          </p:cNvPicPr>
+          <p:nvPr/>
+        </p:nvPicPr>
+        <p:blipFill>
+          <a:blip r:embed="rId2">
+            <a:extLst>
+              <a:ext uri="{28A0092B-C50C-407E-A947-70E740481C1C}">
+                <a14:useLocalDpi xmlns:a14="http://schemas.microsoft.com/office/drawing/2010/main" val="0"/>
+              </a:ext>
+            </a:extLst>
+          </a:blip>
+          <a:srcRect/>
+          <a:stretch>
+            <a:fillRect/>
+          </a:stretch>
+        </p:blipFill>
+        <p:spPr bwMode="auto">
+          <a:xfrm>
+            <a:off x="611560" y="332656"/>
+            <a:ext cx="8150002" cy="2616894"/>
+          </a:xfrm>
+          <a:prstGeom prst="rect">
+            <a:avLst/>
+          </a:prstGeom>
+        </p:spPr>
+        <p:style>
+          <a:lnRef idx="2">
+            <a:schemeClr val="accent4">
+              <a:shade val="50000"/>
+            </a:schemeClr>
+          </a:lnRef>
+          <a:fillRef idx="1">
+            <a:schemeClr val="accent4"/>
+          </a:fillRef>
+          <a:effectRef idx="0">
+            <a:schemeClr val="accent4"/>
+          </a:effectRef>
+          <a:fontRef idx="minor">
+            <a:schemeClr val="lt1"/>
+          </a:fontRef>
+        </p:style>
+      </p:pic>
+      <p:pic>
+        <p:nvPicPr>
+          <p:cNvPr id="3077" name="Picture 5" descr="C:\Users\svetl\Desktop\Дипломная работа Бауманка\Рисунки к ВКР\Рисунок 5.png"/>
+          <p:cNvPicPr>
+            <a:picLocks noChangeAspect="1" noChangeArrowheads="1"/>
+          </p:cNvPicPr>
+          <p:nvPr/>
+        </p:nvPicPr>
+        <p:blipFill>
+          <a:blip r:embed="rId3">
+            <a:extLst>
+              <a:ext uri="{28A0092B-C50C-407E-A947-70E740481C1C}">
+                <a14:useLocalDpi xmlns:a14="http://schemas.microsoft.com/office/drawing/2010/main" val="0"/>
+              </a:ext>
+            </a:extLst>
+          </a:blip>
+          <a:srcRect/>
+          <a:stretch>
+            <a:fillRect/>
+          </a:stretch>
+        </p:blipFill>
+        <p:spPr bwMode="auto">
+          <a:xfrm>
+            <a:off x="3596912" y="3030499"/>
+            <a:ext cx="5191125" cy="3312368"/>
+          </a:xfrm>
+          <a:prstGeom prst="rect">
+            <a:avLst/>
+          </a:prstGeom>
+        </p:spPr>
+        <p:style>
+          <a:lnRef idx="2">
+            <a:schemeClr val="accent2">
+              <a:shade val="50000"/>
+            </a:schemeClr>
+          </a:lnRef>
+          <a:fillRef idx="1">
+            <a:schemeClr val="accent2"/>
+          </a:fillRef>
+          <a:effectRef idx="0">
+            <a:schemeClr val="accent2"/>
+          </a:effectRef>
+          <a:fontRef idx="minor">
+            <a:schemeClr val="lt1"/>
+          </a:fontRef>
+        </p:style>
+      </p:pic>
+      <p:pic>
+        <p:nvPicPr>
+          <p:cNvPr id="3079" name="Picture 7" descr="C:\Users\svetl\Desktop\Дипломная работа Бауманка\Рисунки к ВКР\Рисунок 6.png"/>
+          <p:cNvPicPr>
+            <a:picLocks noChangeAspect="1" noChangeArrowheads="1"/>
+          </p:cNvPicPr>
+          <p:nvPr/>
+        </p:nvPicPr>
+        <p:blipFill>
+          <a:blip r:embed="rId4">
+            <a:extLst>
+              <a:ext uri="{28A0092B-C50C-407E-A947-70E740481C1C}">
+                <a14:useLocalDpi xmlns:a14="http://schemas.microsoft.com/office/drawing/2010/main" val="0"/>
+              </a:ext>
+            </a:extLst>
+          </a:blip>
+          <a:srcRect/>
+          <a:stretch>
+            <a:fillRect/>
+          </a:stretch>
+        </p:blipFill>
+        <p:spPr bwMode="auto">
+          <a:xfrm>
+            <a:off x="611560" y="3030499"/>
+            <a:ext cx="5112568" cy="3312368"/>
+          </a:xfrm>
+          <a:prstGeom prst="rect">
+            <a:avLst/>
+          </a:prstGeom>
+        </p:spPr>
+        <p:style>
+          <a:lnRef idx="2">
+            <a:schemeClr val="accent3">
+              <a:shade val="50000"/>
+            </a:schemeClr>
+          </a:lnRef>
+          <a:fillRef idx="1">
+            <a:schemeClr val="accent3"/>
+          </a:fillRef>
+          <a:effectRef idx="0">
+            <a:schemeClr val="accent3"/>
+          </a:effectRef>
+          <a:fontRef idx="minor">
+            <a:schemeClr val="lt1"/>
+          </a:fontRef>
+        </p:style>
+      </p:pic>
+      <p:sp>
+        <p:nvSpPr>
+          <p:cNvPr id="2" name="Овал 1"/>
+          <p:cNvSpPr/>
+          <p:nvPr/>
+        </p:nvSpPr>
+        <p:spPr>
+          <a:xfrm>
+            <a:off x="5563538" y="1641103"/>
+            <a:ext cx="2664296" cy="2075929"/>
+          </a:xfrm>
+          <a:prstGeom prst="ellipse">
+            <a:avLst/>
+          </a:prstGeom>
+        </p:spPr>
+        <p:style>
+          <a:lnRef idx="2">
+            <a:schemeClr val="accent4">
+              <a:shade val="50000"/>
+            </a:schemeClr>
+          </a:lnRef>
+          <a:fillRef idx="1">
+            <a:schemeClr val="accent4"/>
+          </a:fillRef>
+          <a:effectRef idx="0">
+            <a:schemeClr val="accent4"/>
+          </a:effectRef>
+          <a:fontRef idx="minor">
+            <a:schemeClr val="lt1"/>
+          </a:fontRef>
+        </p:style>
+        <p:txBody>
+          <a:bodyPr rtlCol="0" anchor="ctr"/>
+          <a:lstStyle/>
+          <a:p>
+            <a:pPr algn="ctr"/>
+            <a:r>
+              <a:rPr lang="ru-RU" b="1" cap="all" dirty="0">
+                <a:ln w="9000" cmpd="sng">
+                  <a:solidFill>
+                    <a:schemeClr val="accent4">
+                      <a:shade val="50000"/>
+                      <a:satMod val="120000"/>
+                    </a:schemeClr>
+                  </a:solidFill>
+                  <a:prstDash val="solid"/>
+                </a:ln>
+                <a:gradFill>
+                  <a:gsLst>
+                    <a:gs pos="0">
+                      <a:schemeClr val="accent4">
+                        <a:shade val="20000"/>
+                        <a:satMod val="245000"/>
+                      </a:schemeClr>
+                    </a:gs>
+                    <a:gs pos="43000">
+                      <a:schemeClr val="accent4">
+                        <a:satMod val="255000"/>
+                      </a:schemeClr>
+                    </a:gs>
+                    <a:gs pos="48000">
+                      <a:schemeClr val="accent4">
+                        <a:shade val="85000"/>
+                        <a:satMod val="255000"/>
+                      </a:schemeClr>
+                    </a:gs>
+                    <a:gs pos="100000">
+                      <a:schemeClr val="accent4">
+                        <a:shade val="20000"/>
+                        <a:satMod val="245000"/>
+                      </a:schemeClr>
+                    </a:gs>
+                  </a:gsLst>
+                  <a:lin ang="5400000"/>
+                </a:gradFill>
+                <a:effectLst>
+                  <a:reflection blurRad="12700" stA="28000" endPos="45000" dist="1000" dir="5400000" sy="-100000" algn="bl" rotWithShape="0"/>
+                </a:effectLst>
+              </a:rPr>
+              <a:t>был использован модуль библиотеки </a:t>
+            </a:r>
+            <a:r>
+              <a:rPr lang="en-US" b="1" cap="all" dirty="0">
+                <a:ln w="9000" cmpd="sng">
+                  <a:solidFill>
+                    <a:schemeClr val="accent4">
+                      <a:shade val="50000"/>
+                      <a:satMod val="120000"/>
+                    </a:schemeClr>
+                  </a:solidFill>
+                  <a:prstDash val="solid"/>
+                </a:ln>
+                <a:gradFill>
+                  <a:gsLst>
+                    <a:gs pos="0">
+                      <a:schemeClr val="accent4">
+                        <a:shade val="20000"/>
+                        <a:satMod val="245000"/>
+                      </a:schemeClr>
+                    </a:gs>
+                    <a:gs pos="43000">
+                      <a:schemeClr val="accent4">
+                        <a:satMod val="255000"/>
+                      </a:schemeClr>
+                    </a:gs>
+                    <a:gs pos="48000">
+                      <a:schemeClr val="accent4">
+                        <a:shade val="85000"/>
+                        <a:satMod val="255000"/>
+                      </a:schemeClr>
+                    </a:gs>
+                    <a:gs pos="100000">
+                      <a:schemeClr val="accent4">
+                        <a:shade val="20000"/>
+                        <a:satMod val="245000"/>
+                      </a:schemeClr>
+                    </a:gs>
+                  </a:gsLst>
+                  <a:lin ang="5400000"/>
+                </a:gradFill>
+                <a:effectLst>
+                  <a:reflection blurRad="12700" stA="28000" endPos="45000" dist="1000" dir="5400000" sy="-100000" algn="bl" rotWithShape="0"/>
+                </a:effectLst>
+              </a:rPr>
+              <a:t>Pandas</a:t>
+            </a:r>
+            <a:r>
+              <a:rPr lang="ru-RU" b="1" cap="all" dirty="0">
+                <a:ln w="9000" cmpd="sng">
+                  <a:solidFill>
+                    <a:schemeClr val="accent4">
+                      <a:shade val="50000"/>
+                      <a:satMod val="120000"/>
+                    </a:schemeClr>
+                  </a:solidFill>
+                  <a:prstDash val="solid"/>
+                </a:ln>
+                <a:gradFill>
+                  <a:gsLst>
+                    <a:gs pos="0">
+                      <a:schemeClr val="accent4">
+                        <a:shade val="20000"/>
+                        <a:satMod val="245000"/>
+                      </a:schemeClr>
+                    </a:gs>
+                    <a:gs pos="43000">
+                      <a:schemeClr val="accent4">
+                        <a:satMod val="255000"/>
+                      </a:schemeClr>
+                    </a:gs>
+                    <a:gs pos="48000">
+                      <a:schemeClr val="accent4">
+                        <a:shade val="85000"/>
+                        <a:satMod val="255000"/>
+                      </a:schemeClr>
+                    </a:gs>
+                    <a:gs pos="100000">
+                      <a:schemeClr val="accent4">
+                        <a:shade val="20000"/>
+                        <a:satMod val="245000"/>
+                      </a:schemeClr>
+                    </a:gs>
+                  </a:gsLst>
+                  <a:lin ang="5400000"/>
+                </a:gradFill>
+                <a:effectLst>
+                  <a:reflection blurRad="12700" stA="28000" endPos="45000" dist="1000" dir="5400000" sy="-100000" algn="bl" rotWithShape="0"/>
+                </a:effectLst>
+              </a:rPr>
+              <a:t>  - </a:t>
+            </a:r>
+            <a:r>
+              <a:rPr lang="en-US" b="1" cap="all" dirty="0">
+                <a:ln w="9000" cmpd="sng">
+                  <a:solidFill>
+                    <a:schemeClr val="accent4">
+                      <a:shade val="50000"/>
+                      <a:satMod val="120000"/>
+                    </a:schemeClr>
+                  </a:solidFill>
+                  <a:prstDash val="solid"/>
+                </a:ln>
+                <a:gradFill>
+                  <a:gsLst>
+                    <a:gs pos="0">
+                      <a:schemeClr val="accent4">
+                        <a:shade val="20000"/>
+                        <a:satMod val="245000"/>
+                      </a:schemeClr>
+                    </a:gs>
+                    <a:gs pos="43000">
+                      <a:schemeClr val="accent4">
+                        <a:satMod val="255000"/>
+                      </a:schemeClr>
+                    </a:gs>
+                    <a:gs pos="48000">
+                      <a:schemeClr val="accent4">
+                        <a:shade val="85000"/>
+                        <a:satMod val="255000"/>
+                      </a:schemeClr>
+                    </a:gs>
+                    <a:gs pos="100000">
+                      <a:schemeClr val="accent4">
+                        <a:shade val="20000"/>
+                        <a:satMod val="245000"/>
+                      </a:schemeClr>
+                    </a:gs>
+                  </a:gsLst>
+                  <a:lin ang="5400000"/>
+                </a:gradFill>
+                <a:effectLst>
+                  <a:reflection blurRad="12700" stA="28000" endPos="45000" dist="1000" dir="5400000" sy="-100000" algn="bl" rotWithShape="0"/>
+                </a:effectLst>
+              </a:rPr>
+              <a:t>profile</a:t>
+            </a:r>
+            <a:r>
+              <a:rPr lang="ru-RU" b="1" cap="all" dirty="0">
+                <a:ln w="9000" cmpd="sng">
+                  <a:solidFill>
+                    <a:schemeClr val="accent4">
+                      <a:shade val="50000"/>
+                      <a:satMod val="120000"/>
+                    </a:schemeClr>
+                  </a:solidFill>
+                  <a:prstDash val="solid"/>
+                </a:ln>
+                <a:gradFill>
+                  <a:gsLst>
+                    <a:gs pos="0">
+                      <a:schemeClr val="accent4">
+                        <a:shade val="20000"/>
+                        <a:satMod val="245000"/>
+                      </a:schemeClr>
+                    </a:gs>
+                    <a:gs pos="43000">
+                      <a:schemeClr val="accent4">
+                        <a:satMod val="255000"/>
+                      </a:schemeClr>
+                    </a:gs>
+                    <a:gs pos="48000">
+                      <a:schemeClr val="accent4">
+                        <a:shade val="85000"/>
+                        <a:satMod val="255000"/>
+                      </a:schemeClr>
+                    </a:gs>
+                    <a:gs pos="100000">
+                      <a:schemeClr val="accent4">
+                        <a:shade val="20000"/>
+                        <a:satMod val="245000"/>
+                      </a:schemeClr>
+                    </a:gs>
+                  </a:gsLst>
+                  <a:lin ang="5400000"/>
+                </a:gradFill>
+                <a:effectLst>
+                  <a:reflection blurRad="12700" stA="28000" endPos="45000" dist="1000" dir="5400000" sy="-100000" algn="bl" rotWithShape="0"/>
+                </a:effectLst>
+              </a:rPr>
+              <a:t>_</a:t>
+            </a:r>
+            <a:r>
+              <a:rPr lang="en-US" b="1" cap="all" dirty="0">
+                <a:ln w="9000" cmpd="sng">
+                  <a:solidFill>
+                    <a:schemeClr val="accent4">
+                      <a:shade val="50000"/>
+                      <a:satMod val="120000"/>
+                    </a:schemeClr>
+                  </a:solidFill>
+                  <a:prstDash val="solid"/>
+                </a:ln>
+                <a:gradFill>
+                  <a:gsLst>
+                    <a:gs pos="0">
+                      <a:schemeClr val="accent4">
+                        <a:shade val="20000"/>
+                        <a:satMod val="245000"/>
+                      </a:schemeClr>
+                    </a:gs>
+                    <a:gs pos="43000">
+                      <a:schemeClr val="accent4">
+                        <a:satMod val="255000"/>
+                      </a:schemeClr>
+                    </a:gs>
+                    <a:gs pos="48000">
+                      <a:schemeClr val="accent4">
+                        <a:shade val="85000"/>
+                        <a:satMod val="255000"/>
+                      </a:schemeClr>
+                    </a:gs>
+                    <a:gs pos="100000">
+                      <a:schemeClr val="accent4">
+                        <a:shade val="20000"/>
+                        <a:satMod val="245000"/>
+                      </a:schemeClr>
+                    </a:gs>
+                  </a:gsLst>
+                  <a:lin ang="5400000"/>
+                </a:gradFill>
+                <a:effectLst>
+                  <a:reflection blurRad="12700" stA="28000" endPos="45000" dist="1000" dir="5400000" sy="-100000" algn="bl" rotWithShape="0"/>
+                </a:effectLst>
+              </a:rPr>
+              <a:t>reports</a:t>
+            </a:r>
+            <a:r>
+              <a:rPr lang="ru-RU" b="1" cap="all" dirty="0">
+                <a:ln w="9000" cmpd="sng">
+                  <a:solidFill>
+                    <a:schemeClr val="accent4">
+                      <a:shade val="50000"/>
+                      <a:satMod val="120000"/>
+                    </a:schemeClr>
+                  </a:solidFill>
+                  <a:prstDash val="solid"/>
+                </a:ln>
+                <a:gradFill>
+                  <a:gsLst>
+                    <a:gs pos="0">
+                      <a:schemeClr val="accent4">
+                        <a:shade val="20000"/>
+                        <a:satMod val="245000"/>
+                      </a:schemeClr>
+                    </a:gs>
+                    <a:gs pos="43000">
+                      <a:schemeClr val="accent4">
+                        <a:satMod val="255000"/>
+                      </a:schemeClr>
+                    </a:gs>
+                    <a:gs pos="48000">
+                      <a:schemeClr val="accent4">
+                        <a:shade val="85000"/>
+                        <a:satMod val="255000"/>
+                      </a:schemeClr>
+                    </a:gs>
+                    <a:gs pos="100000">
+                      <a:schemeClr val="accent4">
+                        <a:shade val="20000"/>
+                        <a:satMod val="245000"/>
+                      </a:schemeClr>
+                    </a:gs>
+                  </a:gsLst>
+                  <a:lin ang="5400000"/>
+                </a:gradFill>
+                <a:effectLst>
+                  <a:reflection blurRad="12700" stA="28000" endPos="45000" dist="1000" dir="5400000" sy="-100000" algn="bl" rotWithShape="0"/>
+                </a:effectLst>
+              </a:rPr>
+              <a:t>( ), </a:t>
+            </a:r>
           </a:p>
         </p:txBody>
       </p:sp>
     </p:spTree>
     <p:extLst>
       <p:ext uri="{BB962C8B-B14F-4D97-AF65-F5344CB8AC3E}">
-        <p14:creationId xmlns:p14="http://schemas.microsoft.com/office/powerpoint/2010/main" val="2852993486"/>
+        <p14:creationId xmlns:p14="http://schemas.microsoft.com/office/powerpoint/2010/main" val="1591480266"/>
       </p:ext>
     </p:extLst>
   </p:cSld>
   <p:clrMapOvr>
     <a:masterClrMapping/>
   </p:clrMapOvr>
+  <mc:AlternateContent xmlns:mc="http://schemas.openxmlformats.org/markup-compatibility/2006" xmlns:p14="http://schemas.microsoft.com/office/powerpoint/2010/main">
+    <mc:Choice Requires="p14">
+      <p:transition spd="slow" p14:dur="1500">
+        <p:split orient="vert"/>
+      </p:transition>
+    </mc:Choice>
+    <mc:Fallback xmlns="">
+      <p:transition spd="slow">
+        <p:split orient="vert"/>
+      </p:transition>
+    </mc:Fallback>
+  </mc:AlternateContent>
+  <p:timing>
+    <p:tnLst>
+      <p:par>
+        <p:cTn id="1" dur="indefinite" restart="never" nodeType="tmRoot"/>
+      </p:par>
+    </p:tnLst>
+  </p:timing>
 </p:sld>
 </file>
 
@@ -13407,16 +15914,282 @@
           <a:chExt cx="0" cy="0"/>
         </a:xfrm>
       </p:grpSpPr>
+      <p:sp>
+        <p:nvSpPr>
+          <p:cNvPr id="2" name="Заголовок 1"/>
+          <p:cNvSpPr>
+            <a:spLocks noGrp="1"/>
+          </p:cNvSpPr>
+          <p:nvPr>
+            <p:ph type="title"/>
+          </p:nvPr>
+        </p:nvSpPr>
+        <p:spPr/>
+        <p:style>
+          <a:lnRef idx="1">
+            <a:schemeClr val="accent6"/>
+          </a:lnRef>
+          <a:fillRef idx="2">
+            <a:schemeClr val="accent6"/>
+          </a:fillRef>
+          <a:effectRef idx="1">
+            <a:schemeClr val="accent6"/>
+          </a:effectRef>
+          <a:fontRef idx="minor">
+            <a:schemeClr val="dk1"/>
+          </a:fontRef>
+        </p:style>
+        <p:txBody>
+          <a:bodyPr>
+            <a:normAutofit/>
+          </a:bodyPr>
+          <a:lstStyle/>
+          <a:p>
+            <a:r>
+              <a:rPr lang="ru-RU" sz="2800" dirty="0" smtClean="0"/>
+              <a:t>Далее в работе были применены более классические методы визуализации данных</a:t>
+            </a:r>
+            <a:endParaRPr lang="ru-RU" sz="2800" dirty="0"/>
+          </a:p>
+        </p:txBody>
+      </p:sp>
+      <p:pic>
+        <p:nvPicPr>
+          <p:cNvPr id="5" name="Объект 4"/>
+          <p:cNvPicPr>
+            <a:picLocks noGrp="1" noChangeAspect="1"/>
+          </p:cNvPicPr>
+          <p:nvPr>
+            <p:ph sz="half" idx="1"/>
+          </p:nvPr>
+        </p:nvPicPr>
+        <p:blipFill>
+          <a:blip r:embed="rId2">
+            <a:extLst>
+              <a:ext uri="{28A0092B-C50C-407E-A947-70E740481C1C}">
+                <a14:useLocalDpi xmlns:a14="http://schemas.microsoft.com/office/drawing/2010/main" val="0"/>
+              </a:ext>
+            </a:extLst>
+          </a:blip>
+          <a:stretch>
+            <a:fillRect/>
+          </a:stretch>
+        </p:blipFill>
+        <p:spPr>
+          <a:xfrm>
+            <a:off x="467544" y="1556792"/>
+            <a:ext cx="3816424" cy="2227740"/>
+          </a:xfrm>
+        </p:spPr>
+        <p:style>
+          <a:lnRef idx="2">
+            <a:schemeClr val="accent1"/>
+          </a:lnRef>
+          <a:fillRef idx="1">
+            <a:schemeClr val="lt1"/>
+          </a:fillRef>
+          <a:effectRef idx="0">
+            <a:schemeClr val="accent1"/>
+          </a:effectRef>
+          <a:fontRef idx="minor">
+            <a:schemeClr val="dk1"/>
+          </a:fontRef>
+        </p:style>
+      </p:pic>
+      <p:pic>
+        <p:nvPicPr>
+          <p:cNvPr id="6" name="Объект 5"/>
+          <p:cNvPicPr>
+            <a:picLocks noGrp="1" noChangeAspect="1"/>
+          </p:cNvPicPr>
+          <p:nvPr>
+            <p:ph sz="half" idx="2"/>
+          </p:nvPr>
+        </p:nvPicPr>
+        <p:blipFill>
+          <a:blip r:embed="rId3" cstate="print">
+            <a:extLst>
+              <a:ext uri="{28A0092B-C50C-407E-A947-70E740481C1C}">
+                <a14:useLocalDpi xmlns:a14="http://schemas.microsoft.com/office/drawing/2010/main" val="0"/>
+              </a:ext>
+            </a:extLst>
+          </a:blip>
+          <a:stretch>
+            <a:fillRect/>
+          </a:stretch>
+        </p:blipFill>
+        <p:spPr>
+          <a:xfrm>
+            <a:off x="4338313" y="1484784"/>
+            <a:ext cx="4392489" cy="2232248"/>
+          </a:xfrm>
+        </p:spPr>
+        <p:style>
+          <a:lnRef idx="2">
+            <a:schemeClr val="accent3"/>
+          </a:lnRef>
+          <a:fillRef idx="1">
+            <a:schemeClr val="lt1"/>
+          </a:fillRef>
+          <a:effectRef idx="0">
+            <a:schemeClr val="accent3"/>
+          </a:effectRef>
+          <a:fontRef idx="minor">
+            <a:schemeClr val="dk1"/>
+          </a:fontRef>
+        </p:style>
+      </p:pic>
+      <p:pic>
+        <p:nvPicPr>
+          <p:cNvPr id="4098" name="Picture 2" descr="C:\Users\svetl\Desktop\Дипломная работа Бауманка\Рисунки к ВКР\Рисунок 10.png"/>
+          <p:cNvPicPr>
+            <a:picLocks noChangeAspect="1" noChangeArrowheads="1"/>
+          </p:cNvPicPr>
+          <p:nvPr/>
+        </p:nvPicPr>
+        <p:blipFill>
+          <a:blip r:embed="rId4">
+            <a:extLst>
+              <a:ext uri="{28A0092B-C50C-407E-A947-70E740481C1C}">
+                <a14:useLocalDpi xmlns:a14="http://schemas.microsoft.com/office/drawing/2010/main" val="0"/>
+              </a:ext>
+            </a:extLst>
+          </a:blip>
+          <a:srcRect/>
+          <a:stretch>
+            <a:fillRect/>
+          </a:stretch>
+        </p:blipFill>
+        <p:spPr bwMode="auto">
+          <a:xfrm>
+            <a:off x="755576" y="3861994"/>
+            <a:ext cx="3312368" cy="2534846"/>
+          </a:xfrm>
+          <a:prstGeom prst="rect">
+            <a:avLst/>
+          </a:prstGeom>
+        </p:spPr>
+        <p:style>
+          <a:lnRef idx="2">
+            <a:schemeClr val="accent4"/>
+          </a:lnRef>
+          <a:fillRef idx="1">
+            <a:schemeClr val="lt1"/>
+          </a:fillRef>
+          <a:effectRef idx="0">
+            <a:schemeClr val="accent4"/>
+          </a:effectRef>
+          <a:fontRef idx="minor">
+            <a:schemeClr val="dk1"/>
+          </a:fontRef>
+        </p:style>
+      </p:pic>
+      <p:pic>
+        <p:nvPicPr>
+          <p:cNvPr id="4099" name="Picture 3" descr="C:\Users\svetl\Desktop\Дипломная работа Бауманка\Рисунки к ВКР\Рисунок 14.png"/>
+          <p:cNvPicPr>
+            <a:picLocks noChangeAspect="1" noChangeArrowheads="1"/>
+          </p:cNvPicPr>
+          <p:nvPr/>
+        </p:nvPicPr>
+        <p:blipFill>
+          <a:blip r:embed="rId5">
+            <a:extLst>
+              <a:ext uri="{28A0092B-C50C-407E-A947-70E740481C1C}">
+                <a14:useLocalDpi xmlns:a14="http://schemas.microsoft.com/office/drawing/2010/main" val="0"/>
+              </a:ext>
+            </a:extLst>
+          </a:blip>
+          <a:srcRect/>
+          <a:stretch>
+            <a:fillRect/>
+          </a:stretch>
+        </p:blipFill>
+        <p:spPr bwMode="auto">
+          <a:xfrm>
+            <a:off x="4788024" y="3876559"/>
+            <a:ext cx="3493069" cy="2520281"/>
+          </a:xfrm>
+          <a:prstGeom prst="rect">
+            <a:avLst/>
+          </a:prstGeom>
+        </p:spPr>
+        <p:style>
+          <a:lnRef idx="2">
+            <a:schemeClr val="accent6"/>
+          </a:lnRef>
+          <a:fillRef idx="1">
+            <a:schemeClr val="lt1"/>
+          </a:fillRef>
+          <a:effectRef idx="0">
+            <a:schemeClr val="accent6"/>
+          </a:effectRef>
+          <a:fontRef idx="minor">
+            <a:schemeClr val="dk1"/>
+          </a:fontRef>
+        </p:style>
+      </p:pic>
+      <p:sp>
+        <p:nvSpPr>
+          <p:cNvPr id="8" name="Прямоугольник 7"/>
+          <p:cNvSpPr/>
+          <p:nvPr/>
+        </p:nvSpPr>
+        <p:spPr>
+          <a:xfrm>
+            <a:off x="5223706" y="3543035"/>
+            <a:ext cx="2808312" cy="369332"/>
+          </a:xfrm>
+          <a:prstGeom prst="rect">
+            <a:avLst/>
+          </a:prstGeom>
+        </p:spPr>
+        <p:txBody>
+          <a:bodyPr wrap="square">
+            <a:spAutoFit/>
+          </a:bodyPr>
+          <a:lstStyle/>
+          <a:p>
+            <a:r>
+              <a:rPr lang="ru-RU" dirty="0">
+                <a:solidFill>
+                  <a:srgbClr val="FF0000"/>
+                </a:solidFill>
+              </a:rPr>
+              <a:t>График рассеяния точек</a:t>
+            </a:r>
+          </a:p>
+        </p:txBody>
+      </p:sp>
     </p:spTree>
     <p:extLst>
       <p:ext uri="{BB962C8B-B14F-4D97-AF65-F5344CB8AC3E}">
-        <p14:creationId xmlns:p14="http://schemas.microsoft.com/office/powerpoint/2010/main" val="1519218837"/>
+        <p14:creationId xmlns:p14="http://schemas.microsoft.com/office/powerpoint/2010/main" val="309389088"/>
       </p:ext>
     </p:extLst>
   </p:cSld>
   <p:clrMapOvr>
     <a:masterClrMapping/>
   </p:clrMapOvr>
+  <mc:AlternateContent xmlns:mc="http://schemas.openxmlformats.org/markup-compatibility/2006" xmlns:p14="http://schemas.microsoft.com/office/powerpoint/2010/main">
+    <mc:Choice Requires="p14">
+      <p:transition spd="slow" p14:dur="1500">
+        <p:split orient="vert"/>
+      </p:transition>
+    </mc:Choice>
+    <mc:Fallback xmlns="">
+      <p:transition spd="slow">
+        <p:split orient="vert"/>
+      </p:transition>
+    </mc:Fallback>
+  </mc:AlternateContent>
+  <p:timing>
+    <p:tnLst>
+      <p:par>
+        <p:cTn id="1" dur="indefinite" restart="never" nodeType="tmRoot"/>
+      </p:par>
+    </p:tnLst>
+  </p:timing>
 </p:sld>
 </file>
 
